--- a/Task 1 Powerpoint.pptx
+++ b/Task 1 Powerpoint.pptx
@@ -5,7 +5,7 @@
     <p:sldMasterId id="2147483648" r:id="rId1"/>
   </p:sldMasterIdLst>
   <p:notesMasterIdLst>
-    <p:notesMasterId r:id="rId14"/>
+    <p:notesMasterId r:id="rId13"/>
   </p:notesMasterIdLst>
   <p:sldIdLst>
     <p:sldId id="256" r:id="rId2"/>
@@ -16,10 +16,9 @@
     <p:sldId id="260" r:id="rId7"/>
     <p:sldId id="265" r:id="rId8"/>
     <p:sldId id="261" r:id="rId9"/>
-    <p:sldId id="262" r:id="rId10"/>
-    <p:sldId id="266" r:id="rId11"/>
-    <p:sldId id="267" r:id="rId12"/>
-    <p:sldId id="263" r:id="rId13"/>
+    <p:sldId id="266" r:id="rId10"/>
+    <p:sldId id="267" r:id="rId11"/>
+    <p:sldId id="263" r:id="rId12"/>
   </p:sldIdLst>
   <p:sldSz cx="14630400" cy="8229600"/>
   <p:notesSz cx="8229600" cy="14630400"/>
@@ -409,7 +408,7 @@
     </p:spTree>
     <p:extLst>
       <p:ext uri="{BB962C8B-B14F-4D97-AF65-F5344CB8AC3E}">
-        <p14:creationId xmlns:p14="http://schemas.microsoft.com/office/powerpoint/2010/main" val="4143888876"/>
+        <p14:creationId xmlns:p14="http://schemas.microsoft.com/office/powerpoint/2010/main" val="867489580"/>
       </p:ext>
     </p:extLst>
   </p:cSld>
@@ -485,90 +484,6 @@
             <a:fld id="{F7021451-1387-4CA6-816F-3879F97B5CBC}" type="slidenum">
               <a:rPr lang="en-US"/>
               <a:t>11</a:t>
-            </a:fld>
-            <a:endParaRPr lang="en-US"/>
-          </a:p>
-        </p:txBody>
-      </p:sp>
-    </p:spTree>
-    <p:extLst>
-      <p:ext uri="{BB962C8B-B14F-4D97-AF65-F5344CB8AC3E}">
-        <p14:creationId xmlns:p14="http://schemas.microsoft.com/office/powerpoint/2010/main" val="867489580"/>
-      </p:ext>
-    </p:extLst>
-  </p:cSld>
-  <p:clrMapOvr>
-    <a:masterClrMapping/>
-  </p:clrMapOvr>
-</p:notes>
-</file>
-
-<file path=ppt/notesSlides/notesSlide12.xml><?xml version="1.0" encoding="utf-8"?>
-<p:notes xmlns:a="http://schemas.openxmlformats.org/drawingml/2006/main" xmlns:r="http://schemas.openxmlformats.org/officeDocument/2006/relationships" xmlns:p="http://schemas.openxmlformats.org/presentationml/2006/main">
-  <p:cSld>
-    <p:spTree>
-      <p:nvGrpSpPr>
-        <p:cNvPr id="1" name=""/>
-        <p:cNvGrpSpPr/>
-        <p:nvPr/>
-      </p:nvGrpSpPr>
-      <p:grpSpPr>
-        <a:xfrm>
-          <a:off x="0" y="0"/>
-          <a:ext cx="0" cy="0"/>
-          <a:chOff x="0" y="0"/>
-          <a:chExt cx="0" cy="0"/>
-        </a:xfrm>
-      </p:grpSpPr>
-      <p:sp>
-        <p:nvSpPr>
-          <p:cNvPr id="2" name="Slide Image Placeholder 1"/>
-          <p:cNvSpPr>
-            <a:spLocks noGrp="1" noRot="1" noChangeAspect="1"/>
-          </p:cNvSpPr>
-          <p:nvPr>
-            <p:ph type="sldImg"/>
-          </p:nvPr>
-        </p:nvSpPr>
-        <p:spPr/>
-      </p:sp>
-      <p:sp>
-        <p:nvSpPr>
-          <p:cNvPr id="3" name="Notes Placeholder 2"/>
-          <p:cNvSpPr>
-            <a:spLocks noGrp="1"/>
-          </p:cNvSpPr>
-          <p:nvPr>
-            <p:ph type="body" idx="1"/>
-          </p:nvPr>
-        </p:nvSpPr>
-        <p:spPr/>
-        <p:txBody>
-          <a:bodyPr/>
-          <a:lstStyle/>
-          <a:p>
-            <a:endParaRPr lang="en-US" dirty="0"/>
-          </a:p>
-        </p:txBody>
-      </p:sp>
-      <p:sp>
-        <p:nvSpPr>
-          <p:cNvPr id="4" name="Slide Number Placeholder 3"/>
-          <p:cNvSpPr>
-            <a:spLocks noGrp="1"/>
-          </p:cNvSpPr>
-          <p:nvPr>
-            <p:ph type="sldNum" sz="quarter" idx="10"/>
-          </p:nvPr>
-        </p:nvSpPr>
-        <p:spPr/>
-        <p:txBody>
-          <a:bodyPr/>
-          <a:lstStyle/>
-          <a:p>
-            <a:fld id="{F7021451-1387-4CA6-816F-3879F97B5CBC}" type="slidenum">
-              <a:rPr lang="en-US"/>
-              <a:t>12</a:t>
             </a:fld>
             <a:endParaRPr lang="en-US"/>
           </a:p>
@@ -1249,7 +1164,7 @@
     </p:spTree>
     <p:extLst>
       <p:ext uri="{BB962C8B-B14F-4D97-AF65-F5344CB8AC3E}">
-        <p14:creationId xmlns:p14="http://schemas.microsoft.com/office/powerpoint/2010/main" val="1024086991"/>
+        <p14:creationId xmlns:p14="http://schemas.microsoft.com/office/powerpoint/2010/main" val="4143888876"/>
       </p:ext>
     </p:extLst>
   </p:cSld>
@@ -2372,30 +2287,6 @@
           <a:chExt cx="0" cy="0"/>
         </a:xfrm>
       </p:grpSpPr>
-      <p:pic>
-        <p:nvPicPr>
-          <p:cNvPr id="2" name="Image 0" descr="preencoded.png"/>
-          <p:cNvPicPr>
-            <a:picLocks noChangeAspect="1"/>
-          </p:cNvPicPr>
-          <p:nvPr/>
-        </p:nvPicPr>
-        <p:blipFill>
-          <a:blip r:embed="rId3"/>
-          <a:stretch>
-            <a:fillRect/>
-          </a:stretch>
-        </p:blipFill>
-        <p:spPr>
-          <a:xfrm>
-            <a:off x="9144000" y="0"/>
-            <a:ext cx="5486400" cy="8229600"/>
-          </a:xfrm>
-          <a:prstGeom prst="rect">
-            <a:avLst/>
-          </a:prstGeom>
-        </p:spPr>
-      </p:pic>
       <p:sp>
         <p:nvSpPr>
           <p:cNvPr id="3" name="Text 0"/>
@@ -2404,8 +2295,8 @@
         </p:nvSpPr>
         <p:spPr>
           <a:xfrm>
-            <a:off x="837724" y="2152174"/>
-            <a:ext cx="7468553" cy="2112050"/>
+            <a:off x="661260" y="435737"/>
+            <a:ext cx="14610824" cy="2112050"/>
           </a:xfrm>
           <a:prstGeom prst="rect">
             <a:avLst/>
@@ -2434,7 +2325,7 @@
                 <a:ea typeface="Source Serif Pro Semi Bold" pitchFamily="34" charset="-122"/>
                 <a:cs typeface="Source Serif Pro Semi Bold" pitchFamily="34" charset="-120"/>
               </a:rPr>
-              <a:t>Mobile Apps: Types, Languages, and Development Strategies</a:t>
+              <a:t>Mobile App Development : Types, Frameworks, Architectures, and Cost Estimation.</a:t>
             </a:r>
             <a:endParaRPr lang="en-US" sz="4400" b="1" dirty="0">
               <a:solidFill>
@@ -2454,8 +2345,8 @@
         </p:nvSpPr>
         <p:spPr>
           <a:xfrm>
-            <a:off x="837724" y="4623197"/>
-            <a:ext cx="7468553" cy="766048"/>
+            <a:off x="586160" y="2681747"/>
+            <a:ext cx="7468553" cy="2112050"/>
           </a:xfrm>
           <a:prstGeom prst="rect">
             <a:avLst/>
@@ -2474,17 +2365,19 @@
               <a:buNone/>
             </a:pPr>
             <a:r>
-              <a:rPr lang="en-US" sz="1850" kern="0" spc="-38" dirty="0">
+              <a:rPr lang="en-US" sz="2400" kern="0" spc="-38" dirty="0">
                 <a:solidFill>
                   <a:srgbClr val="272525"/>
                 </a:solidFill>
-                <a:latin typeface="Source Sans Pro" pitchFamily="34" charset="0"/>
+                <a:latin typeface="Candara" panose="020E0502030303020204" pitchFamily="34" charset="0"/>
                 <a:ea typeface="Source Sans Pro" pitchFamily="34" charset="-122"/>
                 <a:cs typeface="Source Sans Pro" pitchFamily="34" charset="-120"/>
               </a:rPr>
-              <a:t>A comprehensive overview of mobile application development. Learn about types, languages, and strategies. Prepare for a future in mobile technology.</a:t>
-            </a:r>
-            <a:endParaRPr lang="en-US" sz="1850" dirty="0"/>
+              <a:t>Developing a comprehensive understanding of mobile application development by exploring key aspects that influence the design, development, and deployment of mobile apps.</a:t>
+            </a:r>
+            <a:endParaRPr lang="en-US" sz="2400" dirty="0">
+              <a:latin typeface="Candara" panose="020E0502030303020204" pitchFamily="34" charset="0"/>
+            </a:endParaRPr>
           </a:p>
         </p:txBody>
       </p:sp>
@@ -2496,7 +2389,7 @@
         </p:nvSpPr>
         <p:spPr>
           <a:xfrm>
-            <a:off x="837724" y="5676305"/>
+            <a:off x="814448" y="5847016"/>
             <a:ext cx="382905" cy="382905"/>
           </a:xfrm>
           <a:prstGeom prst="roundRect">
@@ -2523,8 +2416,8 @@
         </p:nvSpPr>
         <p:spPr>
           <a:xfrm>
-            <a:off x="976193" y="5818942"/>
-            <a:ext cx="105847" cy="97512"/>
+            <a:off x="759930" y="6000276"/>
+            <a:ext cx="382904" cy="382904"/>
           </a:xfrm>
           <a:prstGeom prst="rect">
             <a:avLst/>
@@ -2565,7 +2458,7 @@
         </p:nvSpPr>
         <p:spPr>
           <a:xfrm>
-            <a:off x="1340287" y="5658445"/>
+            <a:off x="1341684" y="5813197"/>
             <a:ext cx="2048113" cy="418862"/>
           </a:xfrm>
           <a:prstGeom prst="rect">
@@ -2595,6 +2488,105 @@
               <a:t>Group 1</a:t>
             </a:r>
             <a:endParaRPr lang="en-US" sz="2350" dirty="0"/>
+          </a:p>
+        </p:txBody>
+      </p:sp>
+      <p:pic>
+        <p:nvPicPr>
+          <p:cNvPr id="9" name="Picture 8">
+            <a:extLst>
+              <a:ext uri="{FF2B5EF4-FFF2-40B4-BE49-F238E27FC236}">
+                <a16:creationId xmlns:a16="http://schemas.microsoft.com/office/drawing/2014/main" id="{3412C41A-3900-424E-A05E-D7AEBB5B075B}"/>
+              </a:ext>
+            </a:extLst>
+          </p:cNvPr>
+          <p:cNvPicPr>
+            <a:picLocks noChangeAspect="1"/>
+          </p:cNvPicPr>
+          <p:nvPr/>
+        </p:nvPicPr>
+        <p:blipFill>
+          <a:blip r:embed="rId3"/>
+          <a:stretch>
+            <a:fillRect/>
+          </a:stretch>
+        </p:blipFill>
+        <p:spPr>
+          <a:xfrm>
+            <a:off x="7940842" y="2318689"/>
+            <a:ext cx="6689557" cy="5967664"/>
+          </a:xfrm>
+          <a:prstGeom prst="rect">
+            <a:avLst/>
+          </a:prstGeom>
+        </p:spPr>
+      </p:pic>
+      <p:sp>
+        <p:nvSpPr>
+          <p:cNvPr id="11" name="TextBox 10">
+            <a:extLst>
+              <a:ext uri="{FF2B5EF4-FFF2-40B4-BE49-F238E27FC236}">
+                <a16:creationId xmlns:a16="http://schemas.microsoft.com/office/drawing/2014/main" id="{CE8598D0-5D4E-4990-8843-4AE888224C49}"/>
+              </a:ext>
+            </a:extLst>
+          </p:cNvPr>
+          <p:cNvSpPr txBox="1"/>
+          <p:nvPr/>
+        </p:nvSpPr>
+        <p:spPr>
+          <a:xfrm>
+            <a:off x="586160" y="6432612"/>
+            <a:ext cx="7315200" cy="1631216"/>
+          </a:xfrm>
+          <a:prstGeom prst="rect">
+            <a:avLst/>
+          </a:prstGeom>
+          <a:noFill/>
+        </p:spPr>
+        <p:txBody>
+          <a:bodyPr wrap="square">
+            <a:spAutoFit/>
+          </a:bodyPr>
+          <a:lstStyle/>
+          <a:p>
+            <a:r>
+              <a:rPr lang="en-US" sz="2000" dirty="0">
+                <a:latin typeface="Candara" panose="020E0502030303020204" pitchFamily="34" charset="0"/>
+              </a:rPr>
+              <a:t>ARREY-TABOT PASCALINE FE22A151 </a:t>
+            </a:r>
+          </a:p>
+          <a:p>
+            <a:r>
+              <a:rPr lang="en-US" sz="2000" dirty="0">
+                <a:latin typeface="Candara" panose="020E0502030303020204" pitchFamily="34" charset="0"/>
+              </a:rPr>
+              <a:t>TANUI NORBERT TANGIE FE22A306 </a:t>
+            </a:r>
+          </a:p>
+          <a:p>
+            <a:r>
+              <a:rPr lang="en-US" sz="2000" dirty="0">
+                <a:latin typeface="Candara" panose="020E0502030303020204" pitchFamily="34" charset="0"/>
+              </a:rPr>
+              <a:t>OROCKTAKANG MANYI FE22A293 </a:t>
+            </a:r>
+          </a:p>
+          <a:p>
+            <a:r>
+              <a:rPr lang="en-US" sz="2000" dirty="0">
+                <a:latin typeface="Candara" panose="020E0502030303020204" pitchFamily="34" charset="0"/>
+              </a:rPr>
+              <a:t>NGATTA GEORGE TABOT FE22A259</a:t>
+            </a:r>
+          </a:p>
+          <a:p>
+            <a:r>
+              <a:rPr lang="en-US" sz="2000" dirty="0">
+                <a:latin typeface="Candara" panose="020E0502030303020204" pitchFamily="34" charset="0"/>
+              </a:rPr>
+              <a:t> SIDNEY FOMECHE FE22A218</a:t>
+            </a:r>
           </a:p>
         </p:txBody>
       </p:sp>
@@ -2625,760 +2617,6 @@
       </p:grpSpPr>
       <p:sp>
         <p:nvSpPr>
-          <p:cNvPr id="2" name="Text 0"/>
-          <p:cNvSpPr/>
-          <p:nvPr/>
-        </p:nvSpPr>
-        <p:spPr>
-          <a:xfrm>
-            <a:off x="837724" y="1001316"/>
-            <a:ext cx="9030295" cy="704017"/>
-          </a:xfrm>
-          <a:prstGeom prst="rect">
-            <a:avLst/>
-          </a:prstGeom>
-          <a:noFill/>
-          <a:ln/>
-        </p:spPr>
-        <p:txBody>
-          <a:bodyPr wrap="none" lIns="0" tIns="0" rIns="0" bIns="0" rtlCol="0" anchor="t"/>
-          <a:lstStyle/>
-          <a:p>
-            <a:pPr marL="0" indent="0" algn="l">
-              <a:lnSpc>
-                <a:spcPts val="5500"/>
-              </a:lnSpc>
-              <a:buNone/>
-            </a:pPr>
-            <a:r>
-              <a:rPr lang="en-US" sz="4400" kern="0" spc="-89" dirty="0">
-                <a:solidFill>
-                  <a:srgbClr val="000000"/>
-                </a:solidFill>
-                <a:latin typeface="Source Serif Pro Semi Bold" pitchFamily="34" charset="0"/>
-                <a:ea typeface="Source Serif Pro Semi Bold" pitchFamily="34" charset="-122"/>
-              </a:rPr>
-              <a:t>REQUIREMENT ENGINEERING</a:t>
-            </a:r>
-            <a:endParaRPr lang="en-US" sz="4400" dirty="0"/>
-          </a:p>
-        </p:txBody>
-      </p:sp>
-      <p:pic>
-        <p:nvPicPr>
-          <p:cNvPr id="3" name="Image 0" descr="preencoded.png"/>
-          <p:cNvPicPr>
-            <a:picLocks noChangeAspect="1"/>
-          </p:cNvPicPr>
-          <p:nvPr/>
-        </p:nvPicPr>
-        <p:blipFill>
-          <a:blip r:embed="rId3"/>
-          <a:stretch>
-            <a:fillRect/>
-          </a:stretch>
-        </p:blipFill>
-        <p:spPr>
-          <a:xfrm>
-            <a:off x="3435191" y="2184083"/>
-            <a:ext cx="1282422" cy="830580"/>
-          </a:xfrm>
-          <a:prstGeom prst="rect">
-            <a:avLst/>
-          </a:prstGeom>
-        </p:spPr>
-      </p:pic>
-      <p:sp>
-        <p:nvSpPr>
-          <p:cNvPr id="4" name="Text 1"/>
-          <p:cNvSpPr/>
-          <p:nvPr/>
-        </p:nvSpPr>
-        <p:spPr>
-          <a:xfrm>
-            <a:off x="3908107" y="2477572"/>
-            <a:ext cx="336590" cy="420767"/>
-          </a:xfrm>
-          <a:prstGeom prst="rect">
-            <a:avLst/>
-          </a:prstGeom>
-          <a:noFill/>
-          <a:ln/>
-        </p:spPr>
-        <p:txBody>
-          <a:bodyPr wrap="none" lIns="0" tIns="0" rIns="0" bIns="0" rtlCol="0" anchor="t"/>
-          <a:lstStyle/>
-          <a:p>
-            <a:pPr marL="0" indent="0" algn="ctr">
-              <a:lnSpc>
-                <a:spcPts val="4200"/>
-              </a:lnSpc>
-              <a:buNone/>
-            </a:pPr>
-            <a:r>
-              <a:rPr lang="en-US" sz="2650" kern="0" spc="-47" dirty="0">
-                <a:solidFill>
-                  <a:srgbClr val="272525"/>
-                </a:solidFill>
-                <a:latin typeface="Source Serif Pro Semi Bold" pitchFamily="34" charset="0"/>
-                <a:ea typeface="Source Serif Pro Semi Bold" pitchFamily="34" charset="-122"/>
-                <a:cs typeface="Source Serif Pro Semi Bold" pitchFamily="34" charset="-120"/>
-              </a:rPr>
-              <a:t>1</a:t>
-            </a:r>
-            <a:endParaRPr lang="en-US" sz="2650" dirty="0"/>
-          </a:p>
-        </p:txBody>
-      </p:sp>
-      <p:sp>
-        <p:nvSpPr>
-          <p:cNvPr id="5" name="Text 2"/>
-          <p:cNvSpPr/>
-          <p:nvPr/>
-        </p:nvSpPr>
-        <p:spPr>
-          <a:xfrm>
-            <a:off x="4956929" y="2423398"/>
-            <a:ext cx="1505307" cy="351949"/>
-          </a:xfrm>
-          <a:prstGeom prst="rect">
-            <a:avLst/>
-          </a:prstGeom>
-          <a:noFill/>
-          <a:ln/>
-        </p:spPr>
-        <p:txBody>
-          <a:bodyPr wrap="none" lIns="0" tIns="0" rIns="0" bIns="0" rtlCol="0" anchor="t"/>
-          <a:lstStyle/>
-          <a:p>
-            <a:pPr marL="0" indent="0" algn="l">
-              <a:lnSpc>
-                <a:spcPts val="2750"/>
-              </a:lnSpc>
-              <a:buNone/>
-            </a:pPr>
-            <a:r>
-              <a:rPr lang="en-US" sz="2200" dirty="0"/>
-              <a:t>User Survey</a:t>
-            </a:r>
-          </a:p>
-        </p:txBody>
-      </p:sp>
-      <p:sp>
-        <p:nvSpPr>
-          <p:cNvPr id="6" name="Shape 3"/>
-          <p:cNvSpPr/>
-          <p:nvPr/>
-        </p:nvSpPr>
-        <p:spPr>
-          <a:xfrm>
-            <a:off x="4777383" y="3029307"/>
-            <a:ext cx="8955524" cy="15240"/>
-          </a:xfrm>
-          <a:prstGeom prst="roundRect">
-            <a:avLst>
-              <a:gd name="adj" fmla="val 659712"/>
-            </a:avLst>
-          </a:prstGeom>
-          <a:solidFill>
-            <a:srgbClr val="D6BADD"/>
-          </a:solidFill>
-          <a:ln/>
-        </p:spPr>
-      </p:sp>
-      <p:pic>
-        <p:nvPicPr>
-          <p:cNvPr id="7" name="Image 1" descr="preencoded.png"/>
-          <p:cNvPicPr>
-            <a:picLocks noChangeAspect="1"/>
-          </p:cNvPicPr>
-          <p:nvPr/>
-        </p:nvPicPr>
-        <p:blipFill>
-          <a:blip r:embed="rId4"/>
-          <a:stretch>
-            <a:fillRect/>
-          </a:stretch>
-        </p:blipFill>
-        <p:spPr>
-          <a:xfrm>
-            <a:off x="2793921" y="3074432"/>
-            <a:ext cx="2564963" cy="830580"/>
-          </a:xfrm>
-          <a:prstGeom prst="rect">
-            <a:avLst/>
-          </a:prstGeom>
-        </p:spPr>
-      </p:pic>
-      <p:sp>
-        <p:nvSpPr>
-          <p:cNvPr id="8" name="Text 4"/>
-          <p:cNvSpPr/>
-          <p:nvPr/>
-        </p:nvSpPr>
-        <p:spPr>
-          <a:xfrm>
-            <a:off x="3908107" y="3279338"/>
-            <a:ext cx="336590" cy="420767"/>
-          </a:xfrm>
-          <a:prstGeom prst="rect">
-            <a:avLst/>
-          </a:prstGeom>
-          <a:noFill/>
-          <a:ln/>
-        </p:spPr>
-        <p:txBody>
-          <a:bodyPr wrap="none" lIns="0" tIns="0" rIns="0" bIns="0" rtlCol="0" anchor="t"/>
-          <a:lstStyle/>
-          <a:p>
-            <a:pPr marL="0" indent="0" algn="ctr">
-              <a:lnSpc>
-                <a:spcPts val="4200"/>
-              </a:lnSpc>
-              <a:buNone/>
-            </a:pPr>
-            <a:r>
-              <a:rPr lang="en-US" sz="2650" kern="0" spc="-47" dirty="0">
-                <a:solidFill>
-                  <a:srgbClr val="272525"/>
-                </a:solidFill>
-                <a:latin typeface="Source Serif Pro Semi Bold" pitchFamily="34" charset="0"/>
-                <a:ea typeface="Source Serif Pro Semi Bold" pitchFamily="34" charset="-122"/>
-                <a:cs typeface="Source Serif Pro Semi Bold" pitchFamily="34" charset="-120"/>
-              </a:rPr>
-              <a:t>2</a:t>
-            </a:r>
-            <a:endParaRPr lang="en-US" sz="2650" dirty="0"/>
-          </a:p>
-        </p:txBody>
-      </p:sp>
-      <p:sp>
-        <p:nvSpPr>
-          <p:cNvPr id="9" name="Text 5"/>
-          <p:cNvSpPr/>
-          <p:nvPr/>
-        </p:nvSpPr>
-        <p:spPr>
-          <a:xfrm>
-            <a:off x="5598200" y="3313748"/>
-            <a:ext cx="887254" cy="351949"/>
-          </a:xfrm>
-          <a:prstGeom prst="rect">
-            <a:avLst/>
-          </a:prstGeom>
-          <a:noFill/>
-          <a:ln/>
-        </p:spPr>
-        <p:txBody>
-          <a:bodyPr wrap="none" lIns="0" tIns="0" rIns="0" bIns="0" rtlCol="0" anchor="t"/>
-          <a:lstStyle/>
-          <a:p>
-            <a:pPr marL="0" indent="0" algn="l">
-              <a:lnSpc>
-                <a:spcPts val="2750"/>
-              </a:lnSpc>
-              <a:buNone/>
-            </a:pPr>
-            <a:r>
-              <a:rPr lang="en-US" sz="2200" kern="0" spc="-44" dirty="0" err="1">
-                <a:solidFill>
-                  <a:srgbClr val="272525"/>
-                </a:solidFill>
-                <a:latin typeface="Source Serif Pro Semi Bold" pitchFamily="34" charset="0"/>
-                <a:ea typeface="Source Serif Pro Semi Bold" pitchFamily="34" charset="-122"/>
-              </a:rPr>
-              <a:t>Questionaires</a:t>
-            </a:r>
-            <a:endParaRPr lang="en-US" sz="2200" dirty="0"/>
-          </a:p>
-        </p:txBody>
-      </p:sp>
-      <p:sp>
-        <p:nvSpPr>
-          <p:cNvPr id="10" name="Shape 6"/>
-          <p:cNvSpPr/>
-          <p:nvPr/>
-        </p:nvSpPr>
-        <p:spPr>
-          <a:xfrm>
-            <a:off x="5418653" y="3919657"/>
-            <a:ext cx="8314253" cy="15240"/>
-          </a:xfrm>
-          <a:prstGeom prst="roundRect">
-            <a:avLst>
-              <a:gd name="adj" fmla="val 659712"/>
-            </a:avLst>
-          </a:prstGeom>
-          <a:solidFill>
-            <a:srgbClr val="D6BADD"/>
-          </a:solidFill>
-          <a:ln/>
-        </p:spPr>
-      </p:sp>
-      <p:pic>
-        <p:nvPicPr>
-          <p:cNvPr id="11" name="Image 2" descr="preencoded.png"/>
-          <p:cNvPicPr>
-            <a:picLocks noChangeAspect="1"/>
-          </p:cNvPicPr>
-          <p:nvPr/>
-        </p:nvPicPr>
-        <p:blipFill>
-          <a:blip r:embed="rId5"/>
-          <a:stretch>
-            <a:fillRect/>
-          </a:stretch>
-        </p:blipFill>
-        <p:spPr>
-          <a:xfrm>
-            <a:off x="2152650" y="3964781"/>
-            <a:ext cx="3847505" cy="830580"/>
-          </a:xfrm>
-          <a:prstGeom prst="rect">
-            <a:avLst/>
-          </a:prstGeom>
-        </p:spPr>
-      </p:pic>
-      <p:sp>
-        <p:nvSpPr>
-          <p:cNvPr id="12" name="Text 7"/>
-          <p:cNvSpPr/>
-          <p:nvPr/>
-        </p:nvSpPr>
-        <p:spPr>
-          <a:xfrm>
-            <a:off x="3908107" y="4169688"/>
-            <a:ext cx="336590" cy="420767"/>
-          </a:xfrm>
-          <a:prstGeom prst="rect">
-            <a:avLst/>
-          </a:prstGeom>
-          <a:noFill/>
-          <a:ln/>
-        </p:spPr>
-        <p:txBody>
-          <a:bodyPr wrap="none" lIns="0" tIns="0" rIns="0" bIns="0" rtlCol="0" anchor="t"/>
-          <a:lstStyle/>
-          <a:p>
-            <a:pPr marL="0" indent="0" algn="ctr">
-              <a:lnSpc>
-                <a:spcPts val="4200"/>
-              </a:lnSpc>
-              <a:buNone/>
-            </a:pPr>
-            <a:r>
-              <a:rPr lang="en-US" sz="2650" kern="0" spc="-47" dirty="0">
-                <a:solidFill>
-                  <a:srgbClr val="272525"/>
-                </a:solidFill>
-                <a:latin typeface="Source Serif Pro Semi Bold" pitchFamily="34" charset="0"/>
-                <a:ea typeface="Source Serif Pro Semi Bold" pitchFamily="34" charset="-122"/>
-                <a:cs typeface="Source Serif Pro Semi Bold" pitchFamily="34" charset="-120"/>
-              </a:rPr>
-              <a:t>3</a:t>
-            </a:r>
-            <a:endParaRPr lang="en-US" sz="2650" dirty="0"/>
-          </a:p>
-        </p:txBody>
-      </p:sp>
-      <p:sp>
-        <p:nvSpPr>
-          <p:cNvPr id="13" name="Text 8"/>
-          <p:cNvSpPr/>
-          <p:nvPr/>
-        </p:nvSpPr>
-        <p:spPr>
-          <a:xfrm>
-            <a:off x="6239470" y="4204097"/>
-            <a:ext cx="1634728" cy="351949"/>
-          </a:xfrm>
-          <a:prstGeom prst="rect">
-            <a:avLst/>
-          </a:prstGeom>
-          <a:noFill/>
-          <a:ln/>
-        </p:spPr>
-        <p:txBody>
-          <a:bodyPr wrap="none" lIns="0" tIns="0" rIns="0" bIns="0" rtlCol="0" anchor="t"/>
-          <a:lstStyle/>
-          <a:p>
-            <a:pPr marL="0" indent="0" algn="l">
-              <a:lnSpc>
-                <a:spcPts val="2750"/>
-              </a:lnSpc>
-              <a:buNone/>
-            </a:pPr>
-            <a:r>
-              <a:rPr lang="en-US" sz="2200" kern="0" spc="-44" dirty="0">
-                <a:solidFill>
-                  <a:srgbClr val="272525"/>
-                </a:solidFill>
-                <a:latin typeface="Source Serif Pro Semi Bold" pitchFamily="34" charset="0"/>
-                <a:ea typeface="Source Serif Pro Semi Bold" pitchFamily="34" charset="-122"/>
-                <a:cs typeface="Source Serif Pro Semi Bold" pitchFamily="34" charset="-120"/>
-              </a:rPr>
-              <a:t>Stakeholder interviews</a:t>
-            </a:r>
-            <a:endParaRPr lang="en-US" sz="2200" dirty="0"/>
-          </a:p>
-        </p:txBody>
-      </p:sp>
-      <p:sp>
-        <p:nvSpPr>
-          <p:cNvPr id="14" name="Shape 9"/>
-          <p:cNvSpPr/>
-          <p:nvPr/>
-        </p:nvSpPr>
-        <p:spPr>
-          <a:xfrm>
-            <a:off x="6059924" y="4810006"/>
-            <a:ext cx="7672983" cy="15240"/>
-          </a:xfrm>
-          <a:prstGeom prst="roundRect">
-            <a:avLst>
-              <a:gd name="adj" fmla="val 659712"/>
-            </a:avLst>
-          </a:prstGeom>
-          <a:solidFill>
-            <a:srgbClr val="D6BADD"/>
-          </a:solidFill>
-          <a:ln/>
-        </p:spPr>
-      </p:sp>
-      <p:pic>
-        <p:nvPicPr>
-          <p:cNvPr id="15" name="Image 3" descr="preencoded.png"/>
-          <p:cNvPicPr>
-            <a:picLocks noChangeAspect="1"/>
-          </p:cNvPicPr>
-          <p:nvPr/>
-        </p:nvPicPr>
-        <p:blipFill>
-          <a:blip r:embed="rId6"/>
-          <a:stretch>
-            <a:fillRect/>
-          </a:stretch>
-        </p:blipFill>
-        <p:spPr>
-          <a:xfrm>
-            <a:off x="1511379" y="4855131"/>
-            <a:ext cx="5130046" cy="830580"/>
-          </a:xfrm>
-          <a:prstGeom prst="rect">
-            <a:avLst/>
-          </a:prstGeom>
-        </p:spPr>
-      </p:pic>
-      <p:sp>
-        <p:nvSpPr>
-          <p:cNvPr id="16" name="Text 10"/>
-          <p:cNvSpPr/>
-          <p:nvPr/>
-        </p:nvSpPr>
-        <p:spPr>
-          <a:xfrm>
-            <a:off x="3907988" y="5060037"/>
-            <a:ext cx="336590" cy="420767"/>
-          </a:xfrm>
-          <a:prstGeom prst="rect">
-            <a:avLst/>
-          </a:prstGeom>
-          <a:noFill/>
-          <a:ln/>
-        </p:spPr>
-        <p:txBody>
-          <a:bodyPr wrap="none" lIns="0" tIns="0" rIns="0" bIns="0" rtlCol="0" anchor="t"/>
-          <a:lstStyle/>
-          <a:p>
-            <a:pPr marL="0" indent="0" algn="ctr">
-              <a:lnSpc>
-                <a:spcPts val="4200"/>
-              </a:lnSpc>
-              <a:buNone/>
-            </a:pPr>
-            <a:r>
-              <a:rPr lang="en-US" sz="2650" kern="0" spc="-47" dirty="0">
-                <a:solidFill>
-                  <a:srgbClr val="272525"/>
-                </a:solidFill>
-                <a:latin typeface="Source Serif Pro Semi Bold" pitchFamily="34" charset="0"/>
-                <a:ea typeface="Source Serif Pro Semi Bold" pitchFamily="34" charset="-122"/>
-                <a:cs typeface="Source Serif Pro Semi Bold" pitchFamily="34" charset="-120"/>
-              </a:rPr>
-              <a:t>4</a:t>
-            </a:r>
-            <a:endParaRPr lang="en-US" sz="2650" dirty="0"/>
-          </a:p>
-        </p:txBody>
-      </p:sp>
-      <p:sp>
-        <p:nvSpPr>
-          <p:cNvPr id="17" name="Text 11"/>
-          <p:cNvSpPr/>
-          <p:nvPr/>
-        </p:nvSpPr>
-        <p:spPr>
-          <a:xfrm>
-            <a:off x="6880741" y="5094446"/>
-            <a:ext cx="842724" cy="351949"/>
-          </a:xfrm>
-          <a:prstGeom prst="rect">
-            <a:avLst/>
-          </a:prstGeom>
-          <a:noFill/>
-          <a:ln/>
-        </p:spPr>
-        <p:txBody>
-          <a:bodyPr wrap="none" lIns="0" tIns="0" rIns="0" bIns="0" rtlCol="0" anchor="t"/>
-          <a:lstStyle/>
-          <a:p>
-            <a:pPr marL="0" indent="0" algn="l">
-              <a:lnSpc>
-                <a:spcPts val="2750"/>
-              </a:lnSpc>
-              <a:buNone/>
-            </a:pPr>
-            <a:r>
-              <a:rPr lang="en-US" sz="2200" kern="0" spc="-44" dirty="0">
-                <a:solidFill>
-                  <a:srgbClr val="272525"/>
-                </a:solidFill>
-                <a:latin typeface="Source Serif Pro Semi Bold" pitchFamily="34" charset="0"/>
-                <a:ea typeface="Source Serif Pro Semi Bold" pitchFamily="34" charset="-122"/>
-              </a:rPr>
-              <a:t>Market Competition Analysis</a:t>
-            </a:r>
-            <a:endParaRPr lang="en-US" sz="2200" dirty="0"/>
-          </a:p>
-        </p:txBody>
-      </p:sp>
-      <p:sp>
-        <p:nvSpPr>
-          <p:cNvPr id="18" name="Shape 12"/>
-          <p:cNvSpPr/>
-          <p:nvPr/>
-        </p:nvSpPr>
-        <p:spPr>
-          <a:xfrm>
-            <a:off x="6701195" y="5700355"/>
-            <a:ext cx="7031712" cy="15240"/>
-          </a:xfrm>
-          <a:prstGeom prst="roundRect">
-            <a:avLst>
-              <a:gd name="adj" fmla="val 659712"/>
-            </a:avLst>
-          </a:prstGeom>
-          <a:solidFill>
-            <a:srgbClr val="D6BADD"/>
-          </a:solidFill>
-          <a:ln/>
-        </p:spPr>
-      </p:sp>
-      <p:pic>
-        <p:nvPicPr>
-          <p:cNvPr id="19" name="Image 4" descr="preencoded.png"/>
-          <p:cNvPicPr>
-            <a:picLocks noChangeAspect="1"/>
-          </p:cNvPicPr>
-          <p:nvPr/>
-        </p:nvPicPr>
-        <p:blipFill>
-          <a:blip r:embed="rId7"/>
-          <a:stretch>
-            <a:fillRect/>
-          </a:stretch>
-        </p:blipFill>
-        <p:spPr>
-          <a:xfrm>
-            <a:off x="870109" y="5745480"/>
-            <a:ext cx="6412587" cy="830580"/>
-          </a:xfrm>
-          <a:prstGeom prst="rect">
-            <a:avLst/>
-          </a:prstGeom>
-        </p:spPr>
-      </p:pic>
-      <p:sp>
-        <p:nvSpPr>
-          <p:cNvPr id="20" name="Text 13"/>
-          <p:cNvSpPr/>
-          <p:nvPr/>
-        </p:nvSpPr>
-        <p:spPr>
-          <a:xfrm>
-            <a:off x="3907988" y="5950387"/>
-            <a:ext cx="336590" cy="420767"/>
-          </a:xfrm>
-          <a:prstGeom prst="rect">
-            <a:avLst/>
-          </a:prstGeom>
-          <a:noFill/>
-          <a:ln/>
-        </p:spPr>
-        <p:txBody>
-          <a:bodyPr wrap="none" lIns="0" tIns="0" rIns="0" bIns="0" rtlCol="0" anchor="t"/>
-          <a:lstStyle/>
-          <a:p>
-            <a:pPr marL="0" indent="0" algn="ctr">
-              <a:lnSpc>
-                <a:spcPts val="4200"/>
-              </a:lnSpc>
-              <a:buNone/>
-            </a:pPr>
-            <a:r>
-              <a:rPr lang="en-US" sz="2650" kern="0" spc="-47" dirty="0">
-                <a:solidFill>
-                  <a:srgbClr val="272525"/>
-                </a:solidFill>
-                <a:latin typeface="Source Serif Pro Semi Bold" pitchFamily="34" charset="0"/>
-                <a:ea typeface="Source Serif Pro Semi Bold" pitchFamily="34" charset="-122"/>
-                <a:cs typeface="Source Serif Pro Semi Bold" pitchFamily="34" charset="-120"/>
-              </a:rPr>
-              <a:t>5</a:t>
-            </a:r>
-            <a:endParaRPr lang="en-US" sz="2650" dirty="0"/>
-          </a:p>
-        </p:txBody>
-      </p:sp>
-      <p:sp>
-        <p:nvSpPr>
-          <p:cNvPr id="21" name="Text 14"/>
-          <p:cNvSpPr/>
-          <p:nvPr/>
-        </p:nvSpPr>
-        <p:spPr>
-          <a:xfrm>
-            <a:off x="7522012" y="5984796"/>
-            <a:ext cx="1103352" cy="351949"/>
-          </a:xfrm>
-          <a:prstGeom prst="rect">
-            <a:avLst/>
-          </a:prstGeom>
-          <a:noFill/>
-          <a:ln/>
-        </p:spPr>
-        <p:txBody>
-          <a:bodyPr wrap="none" lIns="0" tIns="0" rIns="0" bIns="0" rtlCol="0" anchor="t"/>
-          <a:lstStyle/>
-          <a:p>
-            <a:pPr marL="0" indent="0" algn="l">
-              <a:lnSpc>
-                <a:spcPts val="2750"/>
-              </a:lnSpc>
-              <a:buNone/>
-            </a:pPr>
-            <a:r>
-              <a:rPr lang="en-US" sz="2200" kern="0" spc="-44" dirty="0">
-                <a:solidFill>
-                  <a:srgbClr val="272525"/>
-                </a:solidFill>
-                <a:latin typeface="Source Serif Pro Semi Bold" pitchFamily="34" charset="0"/>
-                <a:ea typeface="Source Serif Pro Semi Bold" pitchFamily="34" charset="-122"/>
-              </a:rPr>
-              <a:t>Focus Groups And Workshops</a:t>
-            </a:r>
-            <a:endParaRPr lang="en-US" sz="2200" dirty="0"/>
-          </a:p>
-        </p:txBody>
-      </p:sp>
-      <p:sp>
-        <p:nvSpPr>
-          <p:cNvPr id="22" name="Text 15"/>
-          <p:cNvSpPr/>
-          <p:nvPr/>
-        </p:nvSpPr>
-        <p:spPr>
-          <a:xfrm>
-            <a:off x="870109" y="1741289"/>
-            <a:ext cx="12954952" cy="383024"/>
-          </a:xfrm>
-          <a:prstGeom prst="rect">
-            <a:avLst/>
-          </a:prstGeom>
-          <a:noFill/>
-          <a:ln/>
-        </p:spPr>
-        <p:txBody>
-          <a:bodyPr wrap="none" lIns="0" tIns="0" rIns="0" bIns="0" rtlCol="0" anchor="t"/>
-          <a:lstStyle/>
-          <a:p>
-            <a:pPr marL="0" indent="0" algn="l">
-              <a:lnSpc>
-                <a:spcPts val="3000"/>
-              </a:lnSpc>
-              <a:buNone/>
-            </a:pPr>
-            <a:r>
-              <a:rPr lang="en-US" sz="1850" kern="0" spc="-38" dirty="0">
-                <a:solidFill>
-                  <a:srgbClr val="272525"/>
-                </a:solidFill>
-                <a:latin typeface="Source Sans Pro" pitchFamily="34" charset="0"/>
-                <a:ea typeface="Source Sans Pro" pitchFamily="34" charset="-122"/>
-                <a:cs typeface="Source Sans Pro" pitchFamily="34" charset="-120"/>
-              </a:rPr>
-              <a:t>Below are the methods used to gather information.</a:t>
-            </a:r>
-            <a:endParaRPr lang="en-US" sz="1850" dirty="0"/>
-          </a:p>
-        </p:txBody>
-      </p:sp>
-    </p:spTree>
-    <p:extLst>
-      <p:ext uri="{BB962C8B-B14F-4D97-AF65-F5344CB8AC3E}">
-        <p14:creationId xmlns:p14="http://schemas.microsoft.com/office/powerpoint/2010/main" val="3488783926"/>
-      </p:ext>
-    </p:extLst>
-  </p:cSld>
-  <p:clrMapOvr>
-    <a:masterClrMapping/>
-  </p:clrMapOvr>
-</p:sld>
-</file>
-
-<file path=ppt/slides/slide11.xml><?xml version="1.0" encoding="utf-8"?>
-<p:sld xmlns:a="http://schemas.openxmlformats.org/drawingml/2006/main" xmlns:r="http://schemas.openxmlformats.org/officeDocument/2006/relationships" xmlns:p="http://schemas.openxmlformats.org/presentationml/2006/main">
-  <p:cSld>
-    <p:spTree>
-      <p:nvGrpSpPr>
-        <p:cNvPr id="1" name=""/>
-        <p:cNvGrpSpPr/>
-        <p:nvPr/>
-      </p:nvGrpSpPr>
-      <p:grpSpPr>
-        <a:xfrm>
-          <a:off x="0" y="0"/>
-          <a:ext cx="0" cy="0"/>
-          <a:chOff x="0" y="0"/>
-          <a:chExt cx="0" cy="0"/>
-        </a:xfrm>
-      </p:grpSpPr>
-      <p:pic>
-        <p:nvPicPr>
-          <p:cNvPr id="2" name="Image 0" descr="preencoded.png"/>
-          <p:cNvPicPr>
-            <a:picLocks noChangeAspect="1"/>
-          </p:cNvPicPr>
-          <p:nvPr/>
-        </p:nvPicPr>
-        <p:blipFill>
-          <a:blip r:embed="rId3"/>
-          <a:stretch>
-            <a:fillRect/>
-          </a:stretch>
-        </p:blipFill>
-        <p:spPr>
-          <a:xfrm>
-            <a:off x="9144000" y="0"/>
-            <a:ext cx="5486400" cy="8229600"/>
-          </a:xfrm>
-          <a:prstGeom prst="rect">
-            <a:avLst/>
-          </a:prstGeom>
-        </p:spPr>
-      </p:pic>
-      <p:sp>
-        <p:nvSpPr>
           <p:cNvPr id="3" name="Text 0"/>
           <p:cNvSpPr/>
           <p:nvPr/>
@@ -3695,7 +2933,7 @@
           <p:nvPr/>
         </p:nvPicPr>
         <p:blipFill>
-          <a:blip r:embed="rId4"/>
+          <a:blip r:embed="rId3"/>
           <a:stretch>
             <a:fillRect/>
           </a:stretch>
@@ -3869,7 +3107,7 @@
           <p:nvPr/>
         </p:nvPicPr>
         <p:blipFill>
-          <a:blip r:embed="rId5"/>
+          <a:blip r:embed="rId4"/>
           <a:stretch>
             <a:fillRect/>
           </a:stretch>
@@ -3992,6 +3230,60 @@
           </a:p>
         </p:txBody>
       </p:sp>
+      <p:sp>
+        <p:nvSpPr>
+          <p:cNvPr id="17" name="Rectangle 16">
+            <a:extLst>
+              <a:ext uri="{FF2B5EF4-FFF2-40B4-BE49-F238E27FC236}">
+                <a16:creationId xmlns:a16="http://schemas.microsoft.com/office/drawing/2014/main" id="{719603A3-277A-41D9-B6F1-E5809AB51976}"/>
+              </a:ext>
+            </a:extLst>
+          </p:cNvPr>
+          <p:cNvSpPr/>
+          <p:nvPr/>
+        </p:nvSpPr>
+        <p:spPr>
+          <a:xfrm>
+            <a:off x="12445139" y="7624813"/>
+            <a:ext cx="2101516" cy="535004"/>
+          </a:xfrm>
+          <a:prstGeom prst="rect">
+            <a:avLst/>
+          </a:prstGeom>
+          <a:solidFill>
+            <a:schemeClr val="bg1"/>
+          </a:solidFill>
+          <a:ln>
+            <a:solidFill>
+              <a:schemeClr val="bg1"/>
+            </a:solidFill>
+          </a:ln>
+        </p:spPr>
+        <p:style>
+          <a:lnRef idx="2">
+            <a:schemeClr val="accent1">
+              <a:shade val="50000"/>
+            </a:schemeClr>
+          </a:lnRef>
+          <a:fillRef idx="1">
+            <a:schemeClr val="accent1"/>
+          </a:fillRef>
+          <a:effectRef idx="0">
+            <a:schemeClr val="accent1"/>
+          </a:effectRef>
+          <a:fontRef idx="minor">
+            <a:schemeClr val="lt1"/>
+          </a:fontRef>
+        </p:style>
+        <p:txBody>
+          <a:bodyPr rtlCol="0" anchor="ctr"/>
+          <a:lstStyle/>
+          <a:p>
+            <a:pPr algn="ctr"/>
+            <a:endParaRPr lang="en-US"/>
+          </a:p>
+        </p:txBody>
+      </p:sp>
     </p:spTree>
     <p:extLst>
       <p:ext uri="{BB962C8B-B14F-4D97-AF65-F5344CB8AC3E}">
@@ -4005,7 +3297,7 @@
 </p:sld>
 </file>
 
-<file path=ppt/slides/slide12.xml><?xml version="1.0" encoding="utf-8"?>
+<file path=ppt/slides/slide11.xml><?xml version="1.0" encoding="utf-8"?>
 <p:sld xmlns:a="http://schemas.openxmlformats.org/drawingml/2006/main" xmlns:r="http://schemas.openxmlformats.org/officeDocument/2006/relationships" xmlns:p="http://schemas.openxmlformats.org/presentationml/2006/main">
   <p:cSld name="Slide 8">
     <p:spTree>
@@ -4055,48 +3347,6 @@
       </p:sp>
       <p:sp>
         <p:nvSpPr>
-          <p:cNvPr id="9" name="Text 6"/>
-          <p:cNvSpPr/>
-          <p:nvPr/>
-        </p:nvSpPr>
-        <p:spPr>
-          <a:xfrm>
-            <a:off x="9713595" y="6228993"/>
-            <a:ext cx="4079081" cy="383024"/>
-          </a:xfrm>
-          <a:prstGeom prst="rect">
-            <a:avLst/>
-          </a:prstGeom>
-          <a:noFill/>
-          <a:ln/>
-        </p:spPr>
-        <p:txBody>
-          <a:bodyPr wrap="none" lIns="0" tIns="0" rIns="0" bIns="0" rtlCol="0" anchor="t"/>
-          <a:lstStyle/>
-          <a:p>
-            <a:pPr marL="0" indent="0" algn="ctr">
-              <a:lnSpc>
-                <a:spcPts val="3000"/>
-              </a:lnSpc>
-              <a:buNone/>
-            </a:pPr>
-            <a:r>
-              <a:rPr lang="en-US" sz="1850" kern="0" spc="-38" dirty="0">
-                <a:solidFill>
-                  <a:srgbClr val="272525"/>
-                </a:solidFill>
-                <a:latin typeface="Source Sans Pro" pitchFamily="34" charset="0"/>
-                <a:ea typeface="Source Sans Pro" pitchFamily="34" charset="-122"/>
-                <a:cs typeface="Source Sans Pro" pitchFamily="34" charset="-120"/>
-              </a:rPr>
-              <a:t>.</a:t>
-            </a:r>
-            <a:endParaRPr lang="en-US" sz="1850" dirty="0"/>
-          </a:p>
-        </p:txBody>
-      </p:sp>
-      <p:sp>
-        <p:nvSpPr>
           <p:cNvPr id="10" name="Text 7"/>
           <p:cNvSpPr/>
           <p:nvPr/>
@@ -4142,6 +3392,60 @@
                 </a:schemeClr>
               </a:solidFill>
             </a:endParaRPr>
+          </a:p>
+        </p:txBody>
+      </p:sp>
+      <p:sp>
+        <p:nvSpPr>
+          <p:cNvPr id="5" name="Rectangle 4">
+            <a:extLst>
+              <a:ext uri="{FF2B5EF4-FFF2-40B4-BE49-F238E27FC236}">
+                <a16:creationId xmlns:a16="http://schemas.microsoft.com/office/drawing/2014/main" id="{96199834-D69D-4CA2-A7B3-186CA240AD65}"/>
+              </a:ext>
+            </a:extLst>
+          </p:cNvPr>
+          <p:cNvSpPr/>
+          <p:nvPr/>
+        </p:nvSpPr>
+        <p:spPr>
+          <a:xfrm>
+            <a:off x="12445139" y="7608771"/>
+            <a:ext cx="2101516" cy="535004"/>
+          </a:xfrm>
+          <a:prstGeom prst="rect">
+            <a:avLst/>
+          </a:prstGeom>
+          <a:solidFill>
+            <a:schemeClr val="bg1"/>
+          </a:solidFill>
+          <a:ln>
+            <a:solidFill>
+              <a:schemeClr val="bg1"/>
+            </a:solidFill>
+          </a:ln>
+        </p:spPr>
+        <p:style>
+          <a:lnRef idx="2">
+            <a:schemeClr val="accent1">
+              <a:shade val="50000"/>
+            </a:schemeClr>
+          </a:lnRef>
+          <a:fillRef idx="1">
+            <a:schemeClr val="accent1"/>
+          </a:fillRef>
+          <a:effectRef idx="0">
+            <a:schemeClr val="accent1"/>
+          </a:effectRef>
+          <a:fontRef idx="minor">
+            <a:schemeClr val="lt1"/>
+          </a:fontRef>
+        </p:style>
+        <p:txBody>
+          <a:bodyPr rtlCol="0" anchor="ctr"/>
+          <a:lstStyle/>
+          <a:p>
+            <a:pPr algn="ctr"/>
+            <a:endParaRPr lang="en-US"/>
           </a:p>
         </p:txBody>
       </p:sp>
@@ -4172,48 +3476,6 @@
       </p:grpSpPr>
       <p:sp>
         <p:nvSpPr>
-          <p:cNvPr id="2" name="Text 0"/>
-          <p:cNvSpPr/>
-          <p:nvPr/>
-        </p:nvSpPr>
-        <p:spPr>
-          <a:xfrm>
-            <a:off x="837724" y="1402675"/>
-            <a:ext cx="9296757" cy="704017"/>
-          </a:xfrm>
-          <a:prstGeom prst="rect">
-            <a:avLst/>
-          </a:prstGeom>
-          <a:noFill/>
-          <a:ln/>
-        </p:spPr>
-        <p:txBody>
-          <a:bodyPr wrap="none" lIns="0" tIns="0" rIns="0" bIns="0" rtlCol="0" anchor="t"/>
-          <a:lstStyle/>
-          <a:p>
-            <a:pPr marL="0" indent="0" algn="l">
-              <a:lnSpc>
-                <a:spcPts val="5500"/>
-              </a:lnSpc>
-              <a:buNone/>
-            </a:pPr>
-            <a:r>
-              <a:rPr lang="en-US" sz="4400" kern="0" spc="-89" dirty="0">
-                <a:solidFill>
-                  <a:srgbClr val="000000"/>
-                </a:solidFill>
-                <a:latin typeface="Source Serif Pro Semi Bold" pitchFamily="34" charset="0"/>
-                <a:ea typeface="Source Serif Pro Semi Bold" pitchFamily="34" charset="-122"/>
-                <a:cs typeface="Source Serif Pro Semi Bold" pitchFamily="34" charset="-120"/>
-              </a:rPr>
-              <a:t>Types of Mobile Apps and Their Differences</a:t>
-            </a:r>
-            <a:endParaRPr lang="en-US" sz="4400" dirty="0"/>
-          </a:p>
-        </p:txBody>
-      </p:sp>
-      <p:sp>
-        <p:nvSpPr>
           <p:cNvPr id="3" name="Text 1"/>
           <p:cNvSpPr/>
           <p:nvPr/>
@@ -4298,7 +3560,7 @@
                 <a:ea typeface="Source Sans Pro" pitchFamily="34" charset="-122"/>
                 <a:cs typeface="Source Sans Pro" pitchFamily="34" charset="-120"/>
               </a:rPr>
-              <a:t>Built specifically for a mobile operating system (iOS or Android). Offers the best performance and access to device features.</a:t>
+              <a:t>Built specifically for a particular mobile OS  (iOS or Android). Offers the best performance and access to device features.</a:t>
             </a:r>
             <a:endParaRPr lang="en-US" sz="1850" dirty="0"/>
           </a:p>
@@ -4312,7 +3574,7 @@
         </p:nvSpPr>
         <p:spPr>
           <a:xfrm>
-            <a:off x="837724" y="5043726"/>
+            <a:off x="823913" y="5019853"/>
             <a:ext cx="3928586" cy="383024"/>
           </a:xfrm>
           <a:prstGeom prst="rect">
@@ -4491,7 +3753,7 @@
         </p:nvSpPr>
         <p:spPr>
           <a:xfrm>
-            <a:off x="5357813" y="3296245"/>
+            <a:off x="5350907" y="3056930"/>
             <a:ext cx="3928586" cy="1915120"/>
           </a:xfrm>
           <a:prstGeom prst="rect">
@@ -4519,7 +3781,7 @@
                 <a:ea typeface="Source Sans Pro" pitchFamily="34" charset="-122"/>
                 <a:cs typeface="Source Sans Pro" pitchFamily="34" charset="-120"/>
               </a:rPr>
-              <a:t>Built using web technologies (HTML, CSS, JavaScript) and wrapped in a native container. Offers cross-platform compatibility but may sacrifice performance.</a:t>
+              <a:t>A combination of   web and native app elements. Built using web technologies (HTML, CSS, JavaScript) and wrapped in a native container. Offers cross-platform compatibility but may sacrifice performance.</a:t>
             </a:r>
             <a:endParaRPr lang="en-US" sz="1850" dirty="0"/>
           </a:p>
@@ -4533,7 +3795,7 @@
         </p:nvSpPr>
         <p:spPr>
           <a:xfrm>
-            <a:off x="5357813" y="5426750"/>
+            <a:off x="5357813" y="5594152"/>
             <a:ext cx="3928586" cy="383024"/>
           </a:xfrm>
           <a:prstGeom prst="rect">
@@ -4576,7 +3838,7 @@
         </p:nvSpPr>
         <p:spPr>
           <a:xfrm>
-            <a:off x="5357813" y="5893475"/>
+            <a:off x="5350907" y="5981250"/>
             <a:ext cx="3928586" cy="383024"/>
           </a:xfrm>
           <a:prstGeom prst="rect">
@@ -4692,7 +3954,7 @@
                 <a:ea typeface="Source Serif Pro Semi Bold" pitchFamily="34" charset="-122"/>
                 <a:cs typeface="Source Serif Pro Semi Bold" pitchFamily="34" charset="-120"/>
               </a:rPr>
-              <a:t>Web Apps</a:t>
+              <a:t>Progressive Web Apps</a:t>
             </a:r>
             <a:endParaRPr lang="en-US" sz="3200" b="1" dirty="0">
               <a:solidFill>
@@ -4875,6 +4137,94 @@
           </a:p>
         </p:txBody>
       </p:sp>
+      <p:sp>
+        <p:nvSpPr>
+          <p:cNvPr id="21" name="TextBox 20">
+            <a:extLst>
+              <a:ext uri="{FF2B5EF4-FFF2-40B4-BE49-F238E27FC236}">
+                <a16:creationId xmlns:a16="http://schemas.microsoft.com/office/drawing/2014/main" id="{0A1A8FD7-61D9-4FC9-B62A-A945085650B9}"/>
+              </a:ext>
+            </a:extLst>
+          </p:cNvPr>
+          <p:cNvSpPr txBox="1"/>
+          <p:nvPr/>
+        </p:nvSpPr>
+        <p:spPr>
+          <a:xfrm>
+            <a:off x="693345" y="302533"/>
+            <a:ext cx="12733897" cy="2185214"/>
+          </a:xfrm>
+          <a:prstGeom prst="rect">
+            <a:avLst/>
+          </a:prstGeom>
+          <a:noFill/>
+        </p:spPr>
+        <p:txBody>
+          <a:bodyPr wrap="square">
+            <a:spAutoFit/>
+          </a:bodyPr>
+          <a:lstStyle/>
+          <a:p>
+            <a:pPr algn="ctr"/>
+            <a:r>
+              <a:rPr lang="en-US" sz="3200" b="1" dirty="0">
+                <a:solidFill>
+                  <a:schemeClr val="accent5">
+                    <a:lumMod val="50000"/>
+                  </a:schemeClr>
+                </a:solidFill>
+              </a:rPr>
+              <a:t>Types Of Mobile Apps And Their Differences</a:t>
+            </a:r>
+          </a:p>
+          <a:p>
+            <a:pPr algn="ctr"/>
+            <a:endParaRPr lang="en-US" sz="3200" b="1" dirty="0">
+              <a:solidFill>
+                <a:schemeClr val="accent5">
+                  <a:lumMod val="50000"/>
+                </a:schemeClr>
+              </a:solidFill>
+            </a:endParaRPr>
+          </a:p>
+          <a:p>
+            <a:r>
+              <a:rPr lang="en-US" sz="2400" dirty="0"/>
+              <a:t>A mobile app is a software application designed to run on mobile devices such as smartphones and tablets. It provides specific functionalities such as communication, entertainment, productivity, or business services and can be developed on platforms like iOS, and Android.</a:t>
+            </a:r>
+          </a:p>
+        </p:txBody>
+      </p:sp>
+      <p:pic>
+        <p:nvPicPr>
+          <p:cNvPr id="23" name="Picture 22">
+            <a:extLst>
+              <a:ext uri="{FF2B5EF4-FFF2-40B4-BE49-F238E27FC236}">
+                <a16:creationId xmlns:a16="http://schemas.microsoft.com/office/drawing/2014/main" id="{E501D7B6-6E4E-4B38-8DF1-4A5789EC0B57}"/>
+              </a:ext>
+            </a:extLst>
+          </p:cNvPr>
+          <p:cNvPicPr>
+            <a:picLocks noChangeAspect="1"/>
+          </p:cNvPicPr>
+          <p:nvPr/>
+        </p:nvPicPr>
+        <p:blipFill>
+          <a:blip r:embed="rId3"/>
+          <a:stretch>
+            <a:fillRect/>
+          </a:stretch>
+        </p:blipFill>
+        <p:spPr>
+          <a:xfrm>
+            <a:off x="11780845" y="6443901"/>
+            <a:ext cx="2849555" cy="1747718"/>
+          </a:xfrm>
+          <a:prstGeom prst="rect">
+            <a:avLst/>
+          </a:prstGeom>
+        </p:spPr>
+      </p:pic>
     </p:spTree>
   </p:cSld>
   <p:clrMapOvr>
@@ -4900,30 +4250,6 @@
           <a:chExt cx="0" cy="0"/>
         </a:xfrm>
       </p:grpSpPr>
-      <p:pic>
-        <p:nvPicPr>
-          <p:cNvPr id="2" name="Image 0" descr="preencoded.png"/>
-          <p:cNvPicPr>
-            <a:picLocks noChangeAspect="1"/>
-          </p:cNvPicPr>
-          <p:nvPr/>
-        </p:nvPicPr>
-        <p:blipFill>
-          <a:blip r:embed="rId3"/>
-          <a:stretch>
-            <a:fillRect/>
-          </a:stretch>
-        </p:blipFill>
-        <p:spPr>
-          <a:xfrm>
-            <a:off x="9144000" y="0"/>
-            <a:ext cx="5486400" cy="8229600"/>
-          </a:xfrm>
-          <a:prstGeom prst="rect">
-            <a:avLst/>
-          </a:prstGeom>
-        </p:spPr>
-      </p:pic>
       <p:sp>
         <p:nvSpPr>
           <p:cNvPr id="3" name="Text 0"/>
@@ -4996,7 +4322,7 @@
         </p:nvSpPr>
         <p:spPr>
           <a:xfrm>
-            <a:off x="1660208" y="2547893"/>
+            <a:off x="830104" y="2513385"/>
             <a:ext cx="2790349" cy="348853"/>
           </a:xfrm>
           <a:prstGeom prst="rect">
@@ -5038,7 +4364,7 @@
         </p:nvSpPr>
         <p:spPr>
           <a:xfrm>
-            <a:off x="1660208" y="3022984"/>
+            <a:off x="521219" y="2829269"/>
             <a:ext cx="6653689" cy="758904"/>
           </a:xfrm>
           <a:prstGeom prst="rect">
@@ -5079,7 +4405,7 @@
         </p:nvSpPr>
         <p:spPr>
           <a:xfrm>
-            <a:off x="1660208" y="4365069"/>
+            <a:off x="830104" y="3695167"/>
             <a:ext cx="2790349" cy="348853"/>
           </a:xfrm>
           <a:prstGeom prst="rect">
@@ -5121,7 +4447,7 @@
         </p:nvSpPr>
         <p:spPr>
           <a:xfrm>
-            <a:off x="1660208" y="4856202"/>
+            <a:off x="521219" y="4049895"/>
             <a:ext cx="6653689" cy="758904"/>
           </a:xfrm>
           <a:prstGeom prst="rect">
@@ -5163,7 +4489,7 @@
         </p:nvSpPr>
         <p:spPr>
           <a:xfrm>
-            <a:off x="1660208" y="6326624"/>
+            <a:off x="830104" y="4956877"/>
             <a:ext cx="2790349" cy="348853"/>
           </a:xfrm>
           <a:prstGeom prst="rect">
@@ -5205,7 +4531,7 @@
         </p:nvSpPr>
         <p:spPr>
           <a:xfrm>
-            <a:off x="1652338" y="6833937"/>
+            <a:off x="513348" y="5337814"/>
             <a:ext cx="6661560" cy="742724"/>
           </a:xfrm>
           <a:prstGeom prst="rect">
@@ -5283,6 +4609,36 @@
           </a:p>
         </p:txBody>
       </p:sp>
+      <p:pic>
+        <p:nvPicPr>
+          <p:cNvPr id="7" name="Picture 6">
+            <a:extLst>
+              <a:ext uri="{FF2B5EF4-FFF2-40B4-BE49-F238E27FC236}">
+                <a16:creationId xmlns:a16="http://schemas.microsoft.com/office/drawing/2014/main" id="{70125841-31FC-49AB-9F5A-1ABCDA84443A}"/>
+              </a:ext>
+            </a:extLst>
+          </p:cNvPr>
+          <p:cNvPicPr>
+            <a:picLocks noChangeAspect="1"/>
+          </p:cNvPicPr>
+          <p:nvPr/>
+        </p:nvPicPr>
+        <p:blipFill>
+          <a:blip r:embed="rId3"/>
+          <a:stretch>
+            <a:fillRect/>
+          </a:stretch>
+        </p:blipFill>
+        <p:spPr>
+          <a:xfrm>
+            <a:off x="7652084" y="1684420"/>
+            <a:ext cx="6978317" cy="6511635"/>
+          </a:xfrm>
+          <a:prstGeom prst="rect">
+            <a:avLst/>
+          </a:prstGeom>
+        </p:spPr>
+      </p:pic>
     </p:spTree>
   </p:cSld>
   <p:clrMapOvr>
@@ -5308,30 +4664,6 @@
           <a:chExt cx="0" cy="0"/>
         </a:xfrm>
       </p:grpSpPr>
-      <p:pic>
-        <p:nvPicPr>
-          <p:cNvPr id="2" name="Image 0" descr="preencoded.png"/>
-          <p:cNvPicPr>
-            <a:picLocks noChangeAspect="1"/>
-          </p:cNvPicPr>
-          <p:nvPr/>
-        </p:nvPicPr>
-        <p:blipFill>
-          <a:blip r:embed="rId3"/>
-          <a:stretch>
-            <a:fillRect/>
-          </a:stretch>
-        </p:blipFill>
-        <p:spPr>
-          <a:xfrm>
-            <a:off x="9144000" y="0"/>
-            <a:ext cx="5486400" cy="8229600"/>
-          </a:xfrm>
-          <a:prstGeom prst="rect">
-            <a:avLst/>
-          </a:prstGeom>
-        </p:spPr>
-      </p:pic>
       <p:sp>
         <p:nvSpPr>
           <p:cNvPr id="3" name="Text 0"/>
@@ -5404,7 +4736,7 @@
         </p:nvSpPr>
         <p:spPr>
           <a:xfrm>
-            <a:off x="1660208" y="2547893"/>
+            <a:off x="830104" y="2517800"/>
             <a:ext cx="2790349" cy="348853"/>
           </a:xfrm>
           <a:prstGeom prst="rect">
@@ -5432,19 +4764,154 @@
                 <a:ea typeface="Source Serif Pro Semi Bold" pitchFamily="34" charset="-122"/>
                 <a:cs typeface="Source Serif Pro Semi Bold" pitchFamily="34" charset="-120"/>
               </a:rPr>
-              <a:t>C#(</a:t>
-            </a:r>
-            <a:r>
-              <a:rPr lang="en-US" sz="2150" kern="0" spc="-44" dirty="0" err="1">
+              <a:t>C#(Xamarin)</a:t>
+            </a:r>
+            <a:endParaRPr lang="en-US" sz="2150" dirty="0"/>
+          </a:p>
+        </p:txBody>
+      </p:sp>
+      <p:sp>
+        <p:nvSpPr>
+          <p:cNvPr id="6" name="Text 2"/>
+          <p:cNvSpPr/>
+          <p:nvPr/>
+        </p:nvSpPr>
+        <p:spPr>
+          <a:xfrm>
+            <a:off x="605514" y="2856792"/>
+            <a:ext cx="6709686" cy="730868"/>
+          </a:xfrm>
+          <a:prstGeom prst="rect">
+            <a:avLst/>
+          </a:prstGeom>
+          <a:noFill/>
+          <a:ln/>
+        </p:spPr>
+        <p:txBody>
+          <a:bodyPr wrap="square" lIns="0" tIns="0" rIns="0" bIns="0" rtlCol="0" anchor="t"/>
+          <a:lstStyle/>
+          <a:p>
+            <a:pPr marL="0" indent="0" algn="l">
+              <a:lnSpc>
+                <a:spcPts val="2950"/>
+              </a:lnSpc>
+              <a:buNone/>
+            </a:pPr>
+            <a:r>
+              <a:rPr lang="en-US" sz="1600" dirty="0">
+                <a:latin typeface="Source Sans Pro" panose="020B0503030403020204" pitchFamily="34" charset="0"/>
+                <a:ea typeface="Source Sans Pro" panose="020B0503030403020204" pitchFamily="34" charset="0"/>
+              </a:rPr>
+              <a:t>A cross-platform framework using C# and the .NET ecosystem. Enables development for iOS, Android, and Windows with a shared codebase. Offers strong integration with Microsoft tools but may have performance variability.</a:t>
+            </a:r>
+          </a:p>
+        </p:txBody>
+      </p:sp>
+      <p:sp>
+        <p:nvSpPr>
+          <p:cNvPr id="8" name="Text 3"/>
+          <p:cNvSpPr/>
+          <p:nvPr/>
+        </p:nvSpPr>
+        <p:spPr>
+          <a:xfrm>
+            <a:off x="830102" y="4268822"/>
+            <a:ext cx="2790349" cy="348853"/>
+          </a:xfrm>
+          <a:prstGeom prst="rect">
+            <a:avLst/>
+          </a:prstGeom>
+          <a:noFill/>
+          <a:ln/>
+        </p:spPr>
+        <p:txBody>
+          <a:bodyPr wrap="none" lIns="0" tIns="0" rIns="0" bIns="0" rtlCol="0" anchor="t"/>
+          <a:lstStyle/>
+          <a:p>
+            <a:pPr marL="0" indent="0" algn="l">
+              <a:lnSpc>
+                <a:spcPts val="2700"/>
+              </a:lnSpc>
+              <a:buNone/>
+            </a:pPr>
+            <a:r>
+              <a:rPr lang="en-US" sz="2150" kern="0" spc="-44" dirty="0">
                 <a:solidFill>
                   <a:srgbClr val="272525"/>
                 </a:solidFill>
                 <a:latin typeface="Source Serif Pro Semi Bold" pitchFamily="34" charset="0"/>
                 <a:ea typeface="Source Serif Pro Semi Bold" pitchFamily="34" charset="-122"/>
-                <a:cs typeface="Source Serif Pro Semi Bold" pitchFamily="34" charset="-120"/>
-              </a:rPr>
-              <a:t>Xamerin</a:t>
-            </a:r>
+              </a:rPr>
+              <a:t>Dart(Flutter)</a:t>
+            </a:r>
+            <a:endParaRPr lang="en-US" sz="2150" dirty="0"/>
+          </a:p>
+        </p:txBody>
+      </p:sp>
+      <p:sp>
+        <p:nvSpPr>
+          <p:cNvPr id="9" name="Text 4"/>
+          <p:cNvSpPr/>
+          <p:nvPr/>
+        </p:nvSpPr>
+        <p:spPr>
+          <a:xfrm>
+            <a:off x="605514" y="4684579"/>
+            <a:ext cx="6653689" cy="758904"/>
+          </a:xfrm>
+          <a:prstGeom prst="rect">
+            <a:avLst/>
+          </a:prstGeom>
+          <a:noFill/>
+          <a:ln/>
+        </p:spPr>
+        <p:txBody>
+          <a:bodyPr wrap="square" lIns="0" tIns="0" rIns="0" bIns="0" rtlCol="0" anchor="t"/>
+          <a:lstStyle/>
+          <a:p>
+            <a:pPr marL="0" indent="0" algn="l">
+              <a:lnSpc>
+                <a:spcPts val="2950"/>
+              </a:lnSpc>
+              <a:buNone/>
+            </a:pPr>
+            <a:r>
+              <a:rPr lang="en-US" dirty="0">
+                <a:latin typeface="Source Sans Pro" panose="020B0503030403020204" pitchFamily="34" charset="0"/>
+                <a:ea typeface="Source Sans Pro" panose="020B0503030403020204" pitchFamily="34" charset="0"/>
+              </a:rPr>
+              <a:t>Used with the Flutter framework for cross-platform app development. Allows a single codebase for both iOS and Android, offering fast development with features like hot reload and good performance.</a:t>
+            </a:r>
+          </a:p>
+        </p:txBody>
+      </p:sp>
+      <p:sp>
+        <p:nvSpPr>
+          <p:cNvPr id="11" name="Text 5"/>
+          <p:cNvSpPr/>
+          <p:nvPr/>
+        </p:nvSpPr>
+        <p:spPr>
+          <a:xfrm>
+            <a:off x="830103" y="6036526"/>
+            <a:ext cx="2790349" cy="348853"/>
+          </a:xfrm>
+          <a:prstGeom prst="rect">
+            <a:avLst/>
+          </a:prstGeom>
+          <a:noFill/>
+          <a:ln/>
+        </p:spPr>
+        <p:txBody>
+          <a:bodyPr wrap="none" lIns="0" tIns="0" rIns="0" bIns="0" rtlCol="0" anchor="t"/>
+          <a:lstStyle/>
+          <a:p>
+            <a:pPr marL="0" indent="0" algn="l">
+              <a:lnSpc>
+                <a:spcPts val="2700"/>
+              </a:lnSpc>
+              <a:buNone/>
+            </a:pPr>
             <a:r>
               <a:rPr lang="en-US" sz="2150" kern="0" spc="-44" dirty="0">
                 <a:solidFill>
@@ -5454,7 +4921,7 @@
                 <a:ea typeface="Source Serif Pro Semi Bold" pitchFamily="34" charset="-122"/>
                 <a:cs typeface="Source Serif Pro Semi Bold" pitchFamily="34" charset="-120"/>
               </a:rPr>
-              <a:t>)</a:t>
+              <a:t>JavaScript</a:t>
             </a:r>
             <a:endParaRPr lang="en-US" sz="2150" dirty="0"/>
           </a:p>
@@ -5462,170 +4929,13 @@
       </p:sp>
       <p:sp>
         <p:nvSpPr>
-          <p:cNvPr id="6" name="Text 2"/>
-          <p:cNvSpPr/>
-          <p:nvPr/>
-        </p:nvSpPr>
-        <p:spPr>
-          <a:xfrm>
-            <a:off x="1604212" y="2974858"/>
-            <a:ext cx="6709686" cy="730868"/>
-          </a:xfrm>
-          <a:prstGeom prst="rect">
-            <a:avLst/>
-          </a:prstGeom>
-          <a:noFill/>
-          <a:ln/>
-        </p:spPr>
-        <p:txBody>
-          <a:bodyPr wrap="square" lIns="0" tIns="0" rIns="0" bIns="0" rtlCol="0" anchor="t"/>
-          <a:lstStyle/>
-          <a:p>
-            <a:pPr marL="0" indent="0" algn="l">
-              <a:lnSpc>
-                <a:spcPts val="2950"/>
-              </a:lnSpc>
-              <a:buNone/>
-            </a:pPr>
-            <a:r>
-              <a:rPr lang="en-US" sz="1600" dirty="0">
-                <a:latin typeface="Source Sans Pro" panose="020B0503030403020204" pitchFamily="34" charset="0"/>
-                <a:ea typeface="Source Sans Pro" panose="020B0503030403020204" pitchFamily="34" charset="0"/>
-              </a:rPr>
-              <a:t>A cross-platform framework using C# and the .NET ecosystem. Enables development for iOS, Android, and Windows with a shared codebase. Offers strong integration with Microsoft tools but may have performance variability.</a:t>
-            </a:r>
-          </a:p>
-        </p:txBody>
-      </p:sp>
-      <p:sp>
-        <p:nvSpPr>
-          <p:cNvPr id="8" name="Text 3"/>
-          <p:cNvSpPr/>
-          <p:nvPr/>
-        </p:nvSpPr>
-        <p:spPr>
-          <a:xfrm>
-            <a:off x="1660208" y="4350197"/>
-            <a:ext cx="2790349" cy="348853"/>
-          </a:xfrm>
-          <a:prstGeom prst="rect">
-            <a:avLst/>
-          </a:prstGeom>
-          <a:noFill/>
-          <a:ln/>
-        </p:spPr>
-        <p:txBody>
-          <a:bodyPr wrap="none" lIns="0" tIns="0" rIns="0" bIns="0" rtlCol="0" anchor="t"/>
-          <a:lstStyle/>
-          <a:p>
-            <a:pPr marL="0" indent="0" algn="l">
-              <a:lnSpc>
-                <a:spcPts val="2700"/>
-              </a:lnSpc>
-              <a:buNone/>
-            </a:pPr>
-            <a:r>
-              <a:rPr lang="en-US" sz="2150" kern="0" spc="-44" dirty="0">
-                <a:solidFill>
-                  <a:srgbClr val="272525"/>
-                </a:solidFill>
-                <a:latin typeface="Source Serif Pro Semi Bold" pitchFamily="34" charset="0"/>
-                <a:ea typeface="Source Serif Pro Semi Bold" pitchFamily="34" charset="-122"/>
-              </a:rPr>
-              <a:t>Dart(Flutter)</a:t>
-            </a:r>
-            <a:endParaRPr lang="en-US" sz="2150" dirty="0"/>
-          </a:p>
-        </p:txBody>
-      </p:sp>
-      <p:sp>
-        <p:nvSpPr>
-          <p:cNvPr id="9" name="Text 4"/>
-          <p:cNvSpPr/>
-          <p:nvPr/>
-        </p:nvSpPr>
-        <p:spPr>
-          <a:xfrm>
-            <a:off x="1660208" y="4872244"/>
-            <a:ext cx="6653689" cy="758904"/>
-          </a:xfrm>
-          <a:prstGeom prst="rect">
-            <a:avLst/>
-          </a:prstGeom>
-          <a:noFill/>
-          <a:ln/>
-        </p:spPr>
-        <p:txBody>
-          <a:bodyPr wrap="square" lIns="0" tIns="0" rIns="0" bIns="0" rtlCol="0" anchor="t"/>
-          <a:lstStyle/>
-          <a:p>
-            <a:pPr marL="0" indent="0" algn="l">
-              <a:lnSpc>
-                <a:spcPts val="2950"/>
-              </a:lnSpc>
-              <a:buNone/>
-            </a:pPr>
-            <a:r>
-              <a:rPr lang="en-US" dirty="0">
-                <a:latin typeface="Source Sans Pro" panose="020B0503030403020204" pitchFamily="34" charset="0"/>
-                <a:ea typeface="Source Sans Pro" panose="020B0503030403020204" pitchFamily="34" charset="0"/>
-              </a:rPr>
-              <a:t>Used with the Flutter framework for cross-platform app development. Allows a single codebase for both iOS and Android, offering fast development with features like hot reload and good performance.</a:t>
-            </a:r>
-          </a:p>
-        </p:txBody>
-      </p:sp>
-      <p:sp>
-        <p:nvSpPr>
-          <p:cNvPr id="11" name="Text 5"/>
-          <p:cNvSpPr/>
-          <p:nvPr/>
-        </p:nvSpPr>
-        <p:spPr>
-          <a:xfrm>
-            <a:off x="1660208" y="6326624"/>
-            <a:ext cx="2790349" cy="348853"/>
-          </a:xfrm>
-          <a:prstGeom prst="rect">
-            <a:avLst/>
-          </a:prstGeom>
-          <a:noFill/>
-          <a:ln/>
-        </p:spPr>
-        <p:txBody>
-          <a:bodyPr wrap="none" lIns="0" tIns="0" rIns="0" bIns="0" rtlCol="0" anchor="t"/>
-          <a:lstStyle/>
-          <a:p>
-            <a:pPr marL="0" indent="0" algn="l">
-              <a:lnSpc>
-                <a:spcPts val="2700"/>
-              </a:lnSpc>
-              <a:buNone/>
-            </a:pPr>
-            <a:r>
-              <a:rPr lang="en-US" sz="2150" kern="0" spc="-44" dirty="0">
-                <a:solidFill>
-                  <a:srgbClr val="272525"/>
-                </a:solidFill>
-                <a:latin typeface="Source Serif Pro Semi Bold" pitchFamily="34" charset="0"/>
-                <a:ea typeface="Source Serif Pro Semi Bold" pitchFamily="34" charset="-122"/>
-                <a:cs typeface="Source Serif Pro Semi Bold" pitchFamily="34" charset="-120"/>
-              </a:rPr>
-              <a:t>JavaScript</a:t>
-            </a:r>
-            <a:endParaRPr lang="en-US" sz="2150" dirty="0"/>
-          </a:p>
-        </p:txBody>
-      </p:sp>
-      <p:sp>
-        <p:nvSpPr>
           <p:cNvPr id="12" name="Text 6"/>
           <p:cNvSpPr/>
           <p:nvPr/>
         </p:nvSpPr>
         <p:spPr>
           <a:xfrm>
-            <a:off x="1660208" y="6817757"/>
+            <a:off x="633512" y="6407687"/>
             <a:ext cx="6653689" cy="758904"/>
           </a:xfrm>
           <a:prstGeom prst="rect">
@@ -5703,6 +5013,36 @@
           </a:p>
         </p:txBody>
       </p:sp>
+      <p:pic>
+        <p:nvPicPr>
+          <p:cNvPr id="14" name="Picture 13">
+            <a:extLst>
+              <a:ext uri="{FF2B5EF4-FFF2-40B4-BE49-F238E27FC236}">
+                <a16:creationId xmlns:a16="http://schemas.microsoft.com/office/drawing/2014/main" id="{BD593EA9-5E78-447B-9809-F19226237886}"/>
+              </a:ext>
+            </a:extLst>
+          </p:cNvPr>
+          <p:cNvPicPr>
+            <a:picLocks noChangeAspect="1"/>
+          </p:cNvPicPr>
+          <p:nvPr/>
+        </p:nvPicPr>
+        <p:blipFill>
+          <a:blip r:embed="rId3"/>
+          <a:stretch>
+            <a:fillRect/>
+          </a:stretch>
+        </p:blipFill>
+        <p:spPr>
+          <a:xfrm>
+            <a:off x="7652084" y="1684420"/>
+            <a:ext cx="6978317" cy="6511635"/>
+          </a:xfrm>
+          <a:prstGeom prst="rect">
+            <a:avLst/>
+          </a:prstGeom>
+        </p:spPr>
+      </p:pic>
     </p:spTree>
     <p:extLst>
       <p:ext uri="{BB962C8B-B14F-4D97-AF65-F5344CB8AC3E}">
@@ -5733,30 +5073,6 @@
           <a:chExt cx="0" cy="0"/>
         </a:xfrm>
       </p:grpSpPr>
-      <p:pic>
-        <p:nvPicPr>
-          <p:cNvPr id="2" name="Image 0" descr="preencoded.png"/>
-          <p:cNvPicPr>
-            <a:picLocks noChangeAspect="1"/>
-          </p:cNvPicPr>
-          <p:nvPr/>
-        </p:nvPicPr>
-        <p:blipFill>
-          <a:blip r:embed="rId3"/>
-          <a:stretch>
-            <a:fillRect/>
-          </a:stretch>
-        </p:blipFill>
-        <p:spPr>
-          <a:xfrm>
-            <a:off x="9144000" y="0"/>
-            <a:ext cx="5486400" cy="8229600"/>
-          </a:xfrm>
-          <a:prstGeom prst="rect">
-            <a:avLst/>
-          </a:prstGeom>
-        </p:spPr>
-      </p:pic>
       <p:sp>
         <p:nvSpPr>
           <p:cNvPr id="3" name="Text 0"/>
@@ -5815,7 +5131,7 @@
         </p:nvSpPr>
         <p:spPr>
           <a:xfrm>
-            <a:off x="837724" y="3233976"/>
+            <a:off x="637936" y="2796837"/>
             <a:ext cx="538520" cy="538520"/>
           </a:xfrm>
           <a:prstGeom prst="roundRect">
@@ -5843,14 +5159,14 @@
           <p:nvPr/>
         </p:nvPicPr>
         <p:blipFill>
-          <a:blip r:embed="rId4"/>
+          <a:blip r:embed="rId3"/>
           <a:stretch>
             <a:fillRect/>
           </a:stretch>
         </p:blipFill>
         <p:spPr>
           <a:xfrm>
-            <a:off x="937974" y="3291959"/>
+            <a:off x="738246" y="2869525"/>
             <a:ext cx="337899" cy="422434"/>
           </a:xfrm>
           <a:prstGeom prst="rect">
@@ -5866,7 +5182,7 @@
         </p:nvSpPr>
         <p:spPr>
           <a:xfrm>
-            <a:off x="1615559" y="3233976"/>
+            <a:off x="1376244" y="2815708"/>
             <a:ext cx="2816185" cy="351949"/>
           </a:xfrm>
           <a:prstGeom prst="rect">
@@ -5908,7 +5224,7 @@
         </p:nvSpPr>
         <p:spPr>
           <a:xfrm>
-            <a:off x="1615559" y="3729514"/>
+            <a:off x="768803" y="3476063"/>
             <a:ext cx="2836783" cy="1532096"/>
           </a:xfrm>
           <a:prstGeom prst="rect">
@@ -5950,8 +5266,8 @@
         </p:nvSpPr>
         <p:spPr>
           <a:xfrm>
-            <a:off x="4691658" y="3233976"/>
-            <a:ext cx="538520" cy="538520"/>
+            <a:off x="3971756" y="2722422"/>
+            <a:ext cx="457858" cy="538520"/>
           </a:xfrm>
           <a:prstGeom prst="roundRect">
             <a:avLst>
@@ -5978,14 +5294,14 @@
           <p:nvPr/>
         </p:nvPicPr>
         <p:blipFill>
-          <a:blip r:embed="rId5"/>
+          <a:blip r:embed="rId4"/>
           <a:stretch>
             <a:fillRect/>
           </a:stretch>
         </p:blipFill>
         <p:spPr>
           <a:xfrm>
-            <a:off x="4791908" y="3291959"/>
+            <a:off x="4057645" y="2779796"/>
             <a:ext cx="337899" cy="422434"/>
           </a:xfrm>
           <a:prstGeom prst="rect">
@@ -6001,7 +5317,7 @@
         </p:nvSpPr>
         <p:spPr>
           <a:xfrm>
-            <a:off x="5469493" y="3233976"/>
+            <a:off x="4685554" y="2779796"/>
             <a:ext cx="2816185" cy="351949"/>
           </a:xfrm>
           <a:prstGeom prst="rect">
@@ -6043,7 +5359,7 @@
         </p:nvSpPr>
         <p:spPr>
           <a:xfrm>
-            <a:off x="5469493" y="3729514"/>
+            <a:off x="4104906" y="3260942"/>
             <a:ext cx="2836783" cy="1532096"/>
           </a:xfrm>
           <a:prstGeom prst="rect">
@@ -6085,7 +5401,7 @@
         </p:nvSpPr>
         <p:spPr>
           <a:xfrm>
-            <a:off x="837724" y="5770126"/>
+            <a:off x="537625" y="5289589"/>
             <a:ext cx="538520" cy="538520"/>
           </a:xfrm>
           <a:prstGeom prst="roundRect">
@@ -6113,14 +5429,14 @@
           <p:nvPr/>
         </p:nvPicPr>
         <p:blipFill>
-          <a:blip r:embed="rId6"/>
+          <a:blip r:embed="rId5"/>
           <a:stretch>
             <a:fillRect/>
           </a:stretch>
         </p:blipFill>
         <p:spPr>
           <a:xfrm>
-            <a:off x="937974" y="5828109"/>
+            <a:off x="599853" y="5401104"/>
             <a:ext cx="337899" cy="422434"/>
           </a:xfrm>
           <a:prstGeom prst="rect">
@@ -6136,7 +5452,7 @@
         </p:nvSpPr>
         <p:spPr>
           <a:xfrm>
-            <a:off x="1615559" y="5770126"/>
+            <a:off x="1176456" y="5316565"/>
             <a:ext cx="2816185" cy="351949"/>
           </a:xfrm>
           <a:prstGeom prst="rect">
@@ -6178,7 +5494,7 @@
         </p:nvSpPr>
         <p:spPr>
           <a:xfrm>
-            <a:off x="1615559" y="6265664"/>
+            <a:off x="624483" y="5882640"/>
             <a:ext cx="6690717" cy="766048"/>
           </a:xfrm>
           <a:prstGeom prst="rect">
@@ -6226,7 +5542,7 @@
         </p:nvSpPr>
         <p:spPr>
           <a:xfrm>
-            <a:off x="5037221" y="3457457"/>
+            <a:off x="4303248" y="3169004"/>
             <a:ext cx="53951" cy="45719"/>
           </a:xfrm>
           <a:prstGeom prst="cloud">
@@ -6258,6 +5574,36 @@
           </a:p>
         </p:txBody>
       </p:sp>
+      <p:pic>
+        <p:nvPicPr>
+          <p:cNvPr id="17" name="Picture 16">
+            <a:extLst>
+              <a:ext uri="{FF2B5EF4-FFF2-40B4-BE49-F238E27FC236}">
+                <a16:creationId xmlns:a16="http://schemas.microsoft.com/office/drawing/2014/main" id="{F057619F-6C89-43A1-935C-00BCF11D9FF8}"/>
+              </a:ext>
+            </a:extLst>
+          </p:cNvPr>
+          <p:cNvPicPr>
+            <a:picLocks noChangeAspect="1"/>
+          </p:cNvPicPr>
+          <p:nvPr/>
+        </p:nvPicPr>
+        <p:blipFill>
+          <a:blip r:embed="rId6"/>
+          <a:stretch>
+            <a:fillRect/>
+          </a:stretch>
+        </p:blipFill>
+        <p:spPr>
+          <a:xfrm>
+            <a:off x="7940842" y="2256904"/>
+            <a:ext cx="6689557" cy="5967664"/>
+          </a:xfrm>
+          <a:prstGeom prst="rect">
+            <a:avLst/>
+          </a:prstGeom>
+        </p:spPr>
+      </p:pic>
     </p:spTree>
   </p:cSld>
   <p:clrMapOvr>
@@ -6321,54 +5667,7 @@
                 <a:ea typeface="Source Serif Pro Semi Bold" pitchFamily="34" charset="-122"/>
                 <a:cs typeface="Source Serif Pro Semi Bold" pitchFamily="34" charset="-120"/>
               </a:rPr>
-              <a:t>Mobile Application Design pattern</a:t>
-            </a:r>
-            <a:endParaRPr lang="en-US" sz="4400" b="1" dirty="0">
-              <a:solidFill>
-                <a:schemeClr val="accent1">
-                  <a:lumMod val="75000"/>
-                </a:schemeClr>
-              </a:solidFill>
-            </a:endParaRPr>
-          </a:p>
-        </p:txBody>
-      </p:sp>
-      <p:sp>
-        <p:nvSpPr>
-          <p:cNvPr id="3" name="Text 1"/>
-          <p:cNvSpPr/>
-          <p:nvPr/>
-        </p:nvSpPr>
-        <p:spPr>
-          <a:xfrm>
-            <a:off x="1753195" y="3940731"/>
-            <a:ext cx="2816185" cy="351949"/>
-          </a:xfrm>
-          <a:prstGeom prst="rect">
-            <a:avLst/>
-          </a:prstGeom>
-          <a:noFill/>
-          <a:ln/>
-        </p:spPr>
-        <p:txBody>
-          <a:bodyPr wrap="none" lIns="0" tIns="0" rIns="0" bIns="0" rtlCol="0" anchor="t"/>
-          <a:lstStyle/>
-          <a:p>
-            <a:pPr marL="0" indent="0" algn="r">
-              <a:lnSpc>
-                <a:spcPts val="2750"/>
-              </a:lnSpc>
-              <a:buNone/>
-            </a:pPr>
-            <a:r>
-              <a:rPr lang="en-US" sz="2800" b="1" dirty="0">
-                <a:solidFill>
-                  <a:schemeClr val="accent1">
-                    <a:lumMod val="75000"/>
-                  </a:schemeClr>
-                </a:solidFill>
-              </a:rPr>
-              <a:t>1. Singleton Pattern</a:t>
+              <a:t>Mobile App Architectures and Design Patterns.</a:t>
             </a:r>
           </a:p>
         </p:txBody>
@@ -6406,7 +5705,13 @@
       </p:sp>
       <p:pic>
         <p:nvPicPr>
-          <p:cNvPr id="5" name="Image 0" descr="preencoded.png"/>
+          <p:cNvPr id="12" name="Picture 11">
+            <a:extLst>
+              <a:ext uri="{FF2B5EF4-FFF2-40B4-BE49-F238E27FC236}">
+                <a16:creationId xmlns:a16="http://schemas.microsoft.com/office/drawing/2014/main" id="{01EBAAE8-D57F-49DC-9240-5C884E1F9888}"/>
+              </a:ext>
+            </a:extLst>
+          </p:cNvPr>
           <p:cNvPicPr>
             <a:picLocks noChangeAspect="1"/>
           </p:cNvPicPr>
@@ -6420,17 +5725,91 @@
         </p:blipFill>
         <p:spPr>
           <a:xfrm>
-            <a:off x="5048131" y="2113002"/>
-            <a:ext cx="4534138" cy="4534138"/>
+            <a:off x="8373979" y="4672426"/>
+            <a:ext cx="6239423" cy="3605300"/>
           </a:xfrm>
           <a:prstGeom prst="rect">
             <a:avLst/>
           </a:prstGeom>
         </p:spPr>
       </p:pic>
+      <p:sp>
+        <p:nvSpPr>
+          <p:cNvPr id="18" name="TextBox 17">
+            <a:extLst>
+              <a:ext uri="{FF2B5EF4-FFF2-40B4-BE49-F238E27FC236}">
+                <a16:creationId xmlns:a16="http://schemas.microsoft.com/office/drawing/2014/main" id="{75C80B30-D38E-492F-B0F8-EA838682CF79}"/>
+              </a:ext>
+            </a:extLst>
+          </p:cNvPr>
+          <p:cNvSpPr txBox="1"/>
+          <p:nvPr/>
+        </p:nvSpPr>
+        <p:spPr>
+          <a:xfrm>
+            <a:off x="721895" y="1804155"/>
+            <a:ext cx="7315200" cy="1785104"/>
+          </a:xfrm>
+          <a:prstGeom prst="rect">
+            <a:avLst/>
+          </a:prstGeom>
+          <a:noFill/>
+        </p:spPr>
+        <p:txBody>
+          <a:bodyPr wrap="square">
+            <a:spAutoFit/>
+          </a:bodyPr>
+          <a:lstStyle/>
+          <a:p>
+            <a:r>
+              <a:rPr lang="en-US" sz="2000" dirty="0">
+                <a:solidFill>
+                  <a:schemeClr val="accent5">
+                    <a:lumMod val="50000"/>
+                  </a:schemeClr>
+                </a:solidFill>
+              </a:rPr>
+              <a:t>Mobile Application Architectures</a:t>
+            </a:r>
+          </a:p>
+          <a:p>
+            <a:endParaRPr lang="en-US" dirty="0"/>
+          </a:p>
+          <a:p>
+            <a:r>
+              <a:rPr lang="en-US" dirty="0"/>
+              <a:t>1. Monolithic Architecture</a:t>
+            </a:r>
+          </a:p>
+          <a:p>
+            <a:r>
+              <a:rPr lang="en-US" dirty="0"/>
+              <a:t>2. Layered Architecture</a:t>
+            </a:r>
+          </a:p>
+          <a:p>
+            <a:r>
+              <a:rPr lang="en-US" dirty="0"/>
+              <a:t>3. Microservice Architecture</a:t>
+            </a:r>
+          </a:p>
+          <a:p>
+            <a:r>
+              <a:rPr lang="en-US" dirty="0"/>
+              <a:t>4. Model-View-Model (MVM) Architecture</a:t>
+            </a:r>
+          </a:p>
+        </p:txBody>
+      </p:sp>
       <p:pic>
         <p:nvPicPr>
-          <p:cNvPr id="6" name="Image 1" descr="preencoded.png"/>
+          <p:cNvPr id="20" name="Picture 19">
+            <a:extLst>
+              <a:ext uri="{FF2B5EF4-FFF2-40B4-BE49-F238E27FC236}">
+                <a16:creationId xmlns:a16="http://schemas.microsoft.com/office/drawing/2014/main" id="{0F38B9FD-C918-470F-A89F-8ABABC861B9A}"/>
+              </a:ext>
+            </a:extLst>
+          </p:cNvPr>
           <p:cNvPicPr>
             <a:picLocks noChangeAspect="1"/>
           </p:cNvPicPr>
@@ -6444,322 +5823,43 @@
         </p:blipFill>
         <p:spPr>
           <a:xfrm>
-            <a:off x="5572720" y="3883343"/>
-            <a:ext cx="358140" cy="447675"/>
+            <a:off x="16998" y="4114800"/>
+            <a:ext cx="5597739" cy="3976808"/>
           </a:xfrm>
           <a:prstGeom prst="rect">
             <a:avLst/>
           </a:prstGeom>
         </p:spPr>
       </p:pic>
-      <p:sp>
-        <p:nvSpPr>
-          <p:cNvPr id="7" name="Text 3"/>
-          <p:cNvSpPr/>
-          <p:nvPr/>
-        </p:nvSpPr>
-        <p:spPr>
-          <a:xfrm>
-            <a:off x="9941243" y="2717483"/>
-            <a:ext cx="2816185" cy="351949"/>
-          </a:xfrm>
-          <a:prstGeom prst="rect">
-            <a:avLst/>
-          </a:prstGeom>
-          <a:noFill/>
-          <a:ln/>
-        </p:spPr>
-        <p:txBody>
-          <a:bodyPr wrap="none" lIns="0" tIns="0" rIns="0" bIns="0" rtlCol="0" anchor="t"/>
-          <a:lstStyle/>
-          <a:p>
-            <a:pPr marL="0" indent="0" algn="l">
-              <a:lnSpc>
-                <a:spcPts val="2750"/>
-              </a:lnSpc>
-              <a:buNone/>
-            </a:pPr>
-            <a:r>
-              <a:rPr lang="en-US" sz="2800" b="1" kern="0" spc="-44" dirty="0">
-                <a:solidFill>
-                  <a:schemeClr val="accent1">
-                    <a:lumMod val="75000"/>
-                  </a:schemeClr>
-                </a:solidFill>
-                <a:latin typeface="Source Serif Pro Semi Bold" pitchFamily="34" charset="0"/>
-                <a:ea typeface="Source Serif Pro Semi Bold" pitchFamily="34" charset="-122"/>
-              </a:rPr>
-              <a:t>2. Observer Pattern</a:t>
-            </a:r>
-            <a:endParaRPr lang="en-US" sz="2800" b="1" dirty="0">
-              <a:solidFill>
-                <a:schemeClr val="accent1">
-                  <a:lumMod val="75000"/>
-                </a:schemeClr>
-              </a:solidFill>
-            </a:endParaRPr>
-          </a:p>
-        </p:txBody>
-      </p:sp>
       <p:pic>
         <p:nvPicPr>
-          <p:cNvPr id="9" name="Image 2" descr="preencoded.png"/>
+          <p:cNvPr id="22" name="Picture 21">
+            <a:extLst>
+              <a:ext uri="{FF2B5EF4-FFF2-40B4-BE49-F238E27FC236}">
+                <a16:creationId xmlns:a16="http://schemas.microsoft.com/office/drawing/2014/main" id="{FC9A19B5-7923-4AE3-B7E0-467336725E93}"/>
+              </a:ext>
+            </a:extLst>
+          </p:cNvPr>
           <p:cNvPicPr>
             <a:picLocks noChangeAspect="1"/>
           </p:cNvPicPr>
           <p:nvPr/>
         </p:nvPicPr>
-        <p:blipFill>
+        <p:blipFill rotWithShape="1">
           <a:blip r:embed="rId5"/>
-          <a:stretch>
-            <a:fillRect/>
-          </a:stretch>
+          <a:srcRect l="7851" r="9811"/>
+          <a:stretch/>
         </p:blipFill>
         <p:spPr>
           <a:xfrm>
-            <a:off x="5048131" y="2113002"/>
-            <a:ext cx="4534138" cy="4534138"/>
+            <a:off x="5678905" y="1514529"/>
+            <a:ext cx="6513095" cy="3277621"/>
           </a:xfrm>
           <a:prstGeom prst="rect">
             <a:avLst/>
           </a:prstGeom>
         </p:spPr>
       </p:pic>
-      <p:pic>
-        <p:nvPicPr>
-          <p:cNvPr id="10" name="Image 3" descr="preencoded.png"/>
-          <p:cNvPicPr>
-            <a:picLocks noChangeAspect="1"/>
-          </p:cNvPicPr>
-          <p:nvPr/>
-        </p:nvPicPr>
-        <p:blipFill>
-          <a:blip r:embed="rId6"/>
-          <a:stretch>
-            <a:fillRect/>
-          </a:stretch>
-        </p:blipFill>
-        <p:spPr>
-          <a:xfrm>
-            <a:off x="8153995" y="2938701"/>
-            <a:ext cx="358140" cy="447675"/>
-          </a:xfrm>
-          <a:prstGeom prst="rect">
-            <a:avLst/>
-          </a:prstGeom>
-        </p:spPr>
-      </p:pic>
-      <p:sp>
-        <p:nvSpPr>
-          <p:cNvPr id="11" name="Text 5"/>
-          <p:cNvSpPr/>
-          <p:nvPr/>
-        </p:nvSpPr>
-        <p:spPr>
-          <a:xfrm>
-            <a:off x="8153995" y="6647140"/>
-            <a:ext cx="2816185" cy="382454"/>
-          </a:xfrm>
-          <a:prstGeom prst="rect">
-            <a:avLst/>
-          </a:prstGeom>
-          <a:noFill/>
-          <a:ln/>
-        </p:spPr>
-        <p:txBody>
-          <a:bodyPr wrap="none" lIns="0" tIns="0" rIns="0" bIns="0" rtlCol="0" anchor="t"/>
-          <a:lstStyle/>
-          <a:p>
-            <a:pPr marL="0" indent="0" algn="l">
-              <a:lnSpc>
-                <a:spcPts val="2750"/>
-              </a:lnSpc>
-              <a:buNone/>
-            </a:pPr>
-            <a:r>
-              <a:rPr lang="en-US" sz="2800" b="1" kern="0" spc="-44" dirty="0">
-                <a:solidFill>
-                  <a:schemeClr val="accent1">
-                    <a:lumMod val="75000"/>
-                  </a:schemeClr>
-                </a:solidFill>
-                <a:latin typeface="Source Serif Pro Semi Bold" pitchFamily="34" charset="0"/>
-                <a:ea typeface="Source Serif Pro Semi Bold" pitchFamily="34" charset="-122"/>
-              </a:rPr>
-              <a:t>4. Repository Pattern</a:t>
-            </a:r>
-            <a:endParaRPr lang="en-US" sz="2800" b="1" dirty="0">
-              <a:solidFill>
-                <a:schemeClr val="accent1">
-                  <a:lumMod val="75000"/>
-                </a:schemeClr>
-              </a:solidFill>
-            </a:endParaRPr>
-          </a:p>
-        </p:txBody>
-      </p:sp>
-      <p:pic>
-        <p:nvPicPr>
-          <p:cNvPr id="13" name="Image 4" descr="preencoded.png"/>
-          <p:cNvPicPr>
-            <a:picLocks noChangeAspect="1"/>
-          </p:cNvPicPr>
-          <p:nvPr/>
-        </p:nvPicPr>
-        <p:blipFill>
-          <a:blip r:embed="rId7"/>
-          <a:stretch>
-            <a:fillRect/>
-          </a:stretch>
-        </p:blipFill>
-        <p:spPr>
-          <a:xfrm>
-            <a:off x="5048131" y="2113002"/>
-            <a:ext cx="4534138" cy="4534138"/>
-          </a:xfrm>
-          <a:prstGeom prst="rect">
-            <a:avLst/>
-          </a:prstGeom>
-        </p:spPr>
-      </p:pic>
-      <p:pic>
-        <p:nvPicPr>
-          <p:cNvPr id="14" name="Image 5" descr="preencoded.png"/>
-          <p:cNvPicPr>
-            <a:picLocks noChangeAspect="1"/>
-          </p:cNvPicPr>
-          <p:nvPr/>
-        </p:nvPicPr>
-        <p:blipFill>
-          <a:blip r:embed="rId8"/>
-          <a:stretch>
-            <a:fillRect/>
-          </a:stretch>
-        </p:blipFill>
-        <p:spPr>
-          <a:xfrm>
-            <a:off x="7681436" y="5646420"/>
-            <a:ext cx="358140" cy="447675"/>
-          </a:xfrm>
-          <a:prstGeom prst="rect">
-            <a:avLst/>
-          </a:prstGeom>
-        </p:spPr>
-      </p:pic>
-      <p:sp>
-        <p:nvSpPr>
-          <p:cNvPr id="15" name="Text 7"/>
-          <p:cNvSpPr/>
-          <p:nvPr/>
-        </p:nvSpPr>
-        <p:spPr>
-          <a:xfrm>
-            <a:off x="837724" y="6916341"/>
-            <a:ext cx="12954952" cy="383024"/>
-          </a:xfrm>
-          <a:prstGeom prst="rect">
-            <a:avLst/>
-          </a:prstGeom>
-          <a:noFill/>
-          <a:ln/>
-        </p:spPr>
-        <p:txBody>
-          <a:bodyPr wrap="none" lIns="0" tIns="0" rIns="0" bIns="0" rtlCol="0" anchor="t"/>
-          <a:lstStyle/>
-          <a:p>
-            <a:pPr marL="0" indent="0" algn="l">
-              <a:lnSpc>
-                <a:spcPts val="3000"/>
-              </a:lnSpc>
-              <a:buNone/>
-            </a:pPr>
-            <a:endParaRPr lang="en-US" sz="1850" kern="0" spc="-38" dirty="0">
-              <a:solidFill>
-                <a:srgbClr val="272525"/>
-              </a:solidFill>
-              <a:latin typeface="Source Sans Pro" pitchFamily="34" charset="0"/>
-              <a:ea typeface="Source Sans Pro" pitchFamily="34" charset="-122"/>
-              <a:cs typeface="Source Sans Pro" pitchFamily="34" charset="-120"/>
-            </a:endParaRPr>
-          </a:p>
-          <a:p>
-            <a:pPr marL="0" indent="0" algn="l">
-              <a:lnSpc>
-                <a:spcPts val="3000"/>
-              </a:lnSpc>
-              <a:buNone/>
-            </a:pPr>
-            <a:r>
-              <a:rPr lang="en-US" sz="1850" kern="0" spc="-38" dirty="0">
-                <a:solidFill>
-                  <a:srgbClr val="272525"/>
-                </a:solidFill>
-                <a:latin typeface="Source Sans Pro" pitchFamily="34" charset="0"/>
-                <a:ea typeface="Source Sans Pro" pitchFamily="34" charset="-122"/>
-                <a:cs typeface="Source Sans Pro" pitchFamily="34" charset="-120"/>
-              </a:rPr>
-              <a:t>Best practices ensure scalability and maintainability.</a:t>
-            </a:r>
-            <a:endParaRPr lang="en-US" sz="1850" dirty="0"/>
-          </a:p>
-        </p:txBody>
-      </p:sp>
-      <p:sp>
-        <p:nvSpPr>
-          <p:cNvPr id="16" name="Text 5">
-            <a:extLst>
-              <a:ext uri="{FF2B5EF4-FFF2-40B4-BE49-F238E27FC236}">
-                <a16:creationId xmlns:a16="http://schemas.microsoft.com/office/drawing/2014/main" id="{796C9D48-B9CA-4341-8FB7-C91AABFE561D}"/>
-              </a:ext>
-            </a:extLst>
-          </p:cNvPr>
-          <p:cNvSpPr/>
-          <p:nvPr/>
-        </p:nvSpPr>
-        <p:spPr>
-          <a:xfrm>
-            <a:off x="10093643" y="5285874"/>
-            <a:ext cx="2816185" cy="382454"/>
-          </a:xfrm>
-          <a:prstGeom prst="rect">
-            <a:avLst/>
-          </a:prstGeom>
-          <a:noFill/>
-          <a:ln/>
-        </p:spPr>
-        <p:txBody>
-          <a:bodyPr wrap="none" lIns="0" tIns="0" rIns="0" bIns="0" rtlCol="0" anchor="t"/>
-          <a:lstStyle/>
-          <a:p>
-            <a:pPr marL="0" indent="0" algn="l">
-              <a:lnSpc>
-                <a:spcPts val="2750"/>
-              </a:lnSpc>
-              <a:buNone/>
-            </a:pPr>
-            <a:r>
-              <a:rPr lang="en-US" sz="2800" b="1" kern="0" spc="-44" dirty="0">
-                <a:solidFill>
-                  <a:schemeClr val="accent1">
-                    <a:lumMod val="75000"/>
-                  </a:schemeClr>
-                </a:solidFill>
-                <a:latin typeface="Source Serif Pro Semi Bold" pitchFamily="34" charset="0"/>
-                <a:ea typeface="Source Serif Pro Semi Bold" pitchFamily="34" charset="-122"/>
-                <a:cs typeface="Source Serif Pro Semi Bold" pitchFamily="34" charset="-120"/>
-              </a:rPr>
-              <a:t>3. Factory Pattern</a:t>
-            </a:r>
-            <a:endParaRPr lang="en-US" sz="2800" b="1" dirty="0">
-              <a:solidFill>
-                <a:schemeClr val="accent1">
-                  <a:lumMod val="75000"/>
-                </a:schemeClr>
-              </a:solidFill>
-            </a:endParaRPr>
-          </a:p>
-        </p:txBody>
-      </p:sp>
     </p:spTree>
   </p:cSld>
   <p:clrMapOvr>
@@ -6823,7 +5923,7 @@
                 <a:ea typeface="Source Serif Pro Semi Bold" pitchFamily="34" charset="-122"/>
                 <a:cs typeface="Source Serif Pro Semi Bold" pitchFamily="34" charset="-120"/>
               </a:rPr>
-              <a:t>Mobile Application Architecture</a:t>
+              <a:t>Design Patterns in Mobile App Development.</a:t>
             </a:r>
             <a:endParaRPr lang="en-US" sz="4400" b="1" dirty="0">
               <a:solidFill>
@@ -6837,14 +5937,14 @@
       </p:sp>
       <p:sp>
         <p:nvSpPr>
-          <p:cNvPr id="3" name="Text 1"/>
-          <p:cNvSpPr/>
-          <p:nvPr/>
-        </p:nvSpPr>
-        <p:spPr>
-          <a:xfrm>
-            <a:off x="1753195" y="3940731"/>
-            <a:ext cx="2816185" cy="351949"/>
+          <p:cNvPr id="4" name="Text 2"/>
+          <p:cNvSpPr/>
+          <p:nvPr/>
+        </p:nvSpPr>
+        <p:spPr>
+          <a:xfrm>
+            <a:off x="837724" y="4436269"/>
+            <a:ext cx="3731657" cy="383024"/>
           </a:xfrm>
           <a:prstGeom prst="rect">
             <a:avLst/>
@@ -6858,57 +5958,170 @@
           <a:p>
             <a:pPr marL="0" indent="0" algn="r">
               <a:lnSpc>
-                <a:spcPts val="2750"/>
+                <a:spcPts val="3000"/>
               </a:lnSpc>
               <a:buNone/>
             </a:pPr>
-            <a:r>
-              <a:rPr lang="en-US" sz="2800" b="1" dirty="0">
+            <a:endParaRPr lang="en-US" sz="1850" dirty="0"/>
+          </a:p>
+        </p:txBody>
+      </p:sp>
+      <p:sp>
+        <p:nvSpPr>
+          <p:cNvPr id="15" name="TextBox 14">
+            <a:extLst>
+              <a:ext uri="{FF2B5EF4-FFF2-40B4-BE49-F238E27FC236}">
+                <a16:creationId xmlns:a16="http://schemas.microsoft.com/office/drawing/2014/main" id="{BBB9243B-BFC9-4DE5-82C8-6D0554E2297F}"/>
+              </a:ext>
+            </a:extLst>
+          </p:cNvPr>
+          <p:cNvSpPr txBox="1"/>
+          <p:nvPr/>
+        </p:nvSpPr>
+        <p:spPr>
+          <a:xfrm>
+            <a:off x="497305" y="1812576"/>
+            <a:ext cx="6689558" cy="5940088"/>
+          </a:xfrm>
+          <a:prstGeom prst="rect">
+            <a:avLst/>
+          </a:prstGeom>
+          <a:noFill/>
+        </p:spPr>
+        <p:txBody>
+          <a:bodyPr wrap="square">
+            <a:spAutoFit/>
+          </a:bodyPr>
+          <a:lstStyle/>
+          <a:p>
+            <a:pPr marL="342900" indent="-342900">
+              <a:buAutoNum type="arabicPeriod"/>
+            </a:pPr>
+            <a:r>
+              <a:rPr lang="en-US" sz="2000" dirty="0">
                 <a:solidFill>
-                  <a:schemeClr val="accent1">
-                    <a:lumMod val="75000"/>
+                  <a:schemeClr val="accent5">
+                    <a:lumMod val="50000"/>
                   </a:schemeClr>
                 </a:solidFill>
               </a:rPr>
-              <a:t>1. Monolithic Architecture</a:t>
-            </a:r>
-          </a:p>
-        </p:txBody>
-      </p:sp>
-      <p:sp>
-        <p:nvSpPr>
-          <p:cNvPr id="4" name="Text 2"/>
-          <p:cNvSpPr/>
-          <p:nvPr/>
-        </p:nvSpPr>
-        <p:spPr>
-          <a:xfrm>
-            <a:off x="837724" y="4436269"/>
-            <a:ext cx="3731657" cy="383024"/>
-          </a:xfrm>
-          <a:prstGeom prst="rect">
-            <a:avLst/>
-          </a:prstGeom>
-          <a:noFill/>
-          <a:ln/>
-        </p:spPr>
-        <p:txBody>
-          <a:bodyPr wrap="none" lIns="0" tIns="0" rIns="0" bIns="0" rtlCol="0" anchor="t"/>
-          <a:lstStyle/>
-          <a:p>
-            <a:pPr marL="0" indent="0" algn="r">
-              <a:lnSpc>
-                <a:spcPts val="3000"/>
-              </a:lnSpc>
-              <a:buNone/>
-            </a:pPr>
-            <a:endParaRPr lang="en-US" sz="1850" dirty="0"/>
+              <a:t>Singleton Pattern</a:t>
+            </a:r>
+          </a:p>
+          <a:p>
+            <a:r>
+              <a:rPr lang="en-US" sz="2000" dirty="0"/>
+              <a:t>Ensures only one instance of a class exists and provides a global access point.</a:t>
+            </a:r>
+          </a:p>
+          <a:p>
+            <a:endParaRPr lang="en-US" sz="2000" dirty="0"/>
+          </a:p>
+          <a:p>
+            <a:r>
+              <a:rPr lang="en-US" sz="2000" dirty="0"/>
+              <a:t>2.   </a:t>
+            </a:r>
+            <a:r>
+              <a:rPr lang="en-US" sz="2000" dirty="0">
+                <a:solidFill>
+                  <a:schemeClr val="accent5">
+                    <a:lumMod val="50000"/>
+                  </a:schemeClr>
+                </a:solidFill>
+              </a:rPr>
+              <a:t>Factory Pattern</a:t>
+            </a:r>
+          </a:p>
+          <a:p>
+            <a:r>
+              <a:rPr lang="en-US" sz="2000" dirty="0"/>
+              <a:t>Creates objects without specifying their exact class, making the code more flexible.</a:t>
+            </a:r>
+          </a:p>
+          <a:p>
+            <a:endParaRPr lang="en-US" sz="2000" dirty="0"/>
+          </a:p>
+          <a:p>
+            <a:pPr marL="342900" indent="-342900">
+              <a:buAutoNum type="arabicPeriod" startAt="3"/>
+            </a:pPr>
+            <a:r>
+              <a:rPr lang="en-US" sz="2000" dirty="0">
+                <a:solidFill>
+                  <a:schemeClr val="accent5">
+                    <a:lumMod val="50000"/>
+                  </a:schemeClr>
+                </a:solidFill>
+              </a:rPr>
+              <a:t>Observer Pattern</a:t>
+            </a:r>
+          </a:p>
+          <a:p>
+            <a:r>
+              <a:rPr lang="en-US" sz="2000" dirty="0"/>
+              <a:t>Defines a dependency between objects so that when one changes, all dependent objects are notified .</a:t>
+            </a:r>
+          </a:p>
+          <a:p>
+            <a:endParaRPr lang="en-US" sz="2000" dirty="0"/>
+          </a:p>
+          <a:p>
+            <a:pPr marL="457200" indent="-457200">
+              <a:buAutoNum type="arabicPeriod" startAt="4"/>
+            </a:pPr>
+            <a:r>
+              <a:rPr lang="en-US" sz="2000" dirty="0">
+                <a:solidFill>
+                  <a:schemeClr val="accent5">
+                    <a:lumMod val="50000"/>
+                  </a:schemeClr>
+                </a:solidFill>
+              </a:rPr>
+              <a:t>Repository Pattern</a:t>
+            </a:r>
+          </a:p>
+          <a:p>
+            <a:r>
+              <a:rPr lang="en-US" sz="2000" dirty="0"/>
+              <a:t>Abstracts data access logic, creating a clean separation between business logic and data sources.</a:t>
+            </a:r>
+          </a:p>
+          <a:p>
+            <a:endParaRPr lang="en-US" sz="2000" dirty="0"/>
+          </a:p>
+          <a:p>
+            <a:pPr marL="457200" indent="-457200">
+              <a:buAutoNum type="arabicPeriod" startAt="5"/>
+            </a:pPr>
+            <a:r>
+              <a:rPr lang="en-US" sz="2000" dirty="0">
+                <a:solidFill>
+                  <a:schemeClr val="accent5">
+                    <a:lumMod val="50000"/>
+                  </a:schemeClr>
+                </a:solidFill>
+              </a:rPr>
+              <a:t>Dependency Injection</a:t>
+            </a:r>
+          </a:p>
+          <a:p>
+            <a:r>
+              <a:rPr lang="en-US" sz="2000" dirty="0"/>
+              <a:t>Instead of creating dependencies inside a class, they are “injected” from outside, improving testability and flexibility.</a:t>
+            </a:r>
           </a:p>
         </p:txBody>
       </p:sp>
       <p:pic>
         <p:nvPicPr>
-          <p:cNvPr id="5" name="Image 0" descr="preencoded.png"/>
+          <p:cNvPr id="17" name="Picture 16">
+            <a:extLst>
+              <a:ext uri="{FF2B5EF4-FFF2-40B4-BE49-F238E27FC236}">
+                <a16:creationId xmlns:a16="http://schemas.microsoft.com/office/drawing/2014/main" id="{49249DEC-9716-4551-A007-1FD0318C6572}"/>
+              </a:ext>
+            </a:extLst>
+          </p:cNvPr>
           <p:cNvPicPr>
             <a:picLocks noChangeAspect="1"/>
           </p:cNvPicPr>
@@ -6922,312 +6135,14 @@
         </p:blipFill>
         <p:spPr>
           <a:xfrm>
-            <a:off x="5048131" y="2113002"/>
-            <a:ext cx="4534138" cy="4534138"/>
+            <a:off x="7700211" y="1828800"/>
+            <a:ext cx="6930189" cy="6400800"/>
           </a:xfrm>
           <a:prstGeom prst="rect">
             <a:avLst/>
           </a:prstGeom>
         </p:spPr>
       </p:pic>
-      <p:pic>
-        <p:nvPicPr>
-          <p:cNvPr id="6" name="Image 1" descr="preencoded.png"/>
-          <p:cNvPicPr>
-            <a:picLocks noChangeAspect="1"/>
-          </p:cNvPicPr>
-          <p:nvPr/>
-        </p:nvPicPr>
-        <p:blipFill>
-          <a:blip r:embed="rId4"/>
-          <a:stretch>
-            <a:fillRect/>
-          </a:stretch>
-        </p:blipFill>
-        <p:spPr>
-          <a:xfrm>
-            <a:off x="5572720" y="3883343"/>
-            <a:ext cx="358140" cy="447675"/>
-          </a:xfrm>
-          <a:prstGeom prst="rect">
-            <a:avLst/>
-          </a:prstGeom>
-        </p:spPr>
-      </p:pic>
-      <p:sp>
-        <p:nvSpPr>
-          <p:cNvPr id="7" name="Text 3"/>
-          <p:cNvSpPr/>
-          <p:nvPr/>
-        </p:nvSpPr>
-        <p:spPr>
-          <a:xfrm>
-            <a:off x="9941243" y="2717483"/>
-            <a:ext cx="2816185" cy="351949"/>
-          </a:xfrm>
-          <a:prstGeom prst="rect">
-            <a:avLst/>
-          </a:prstGeom>
-          <a:noFill/>
-          <a:ln/>
-        </p:spPr>
-        <p:txBody>
-          <a:bodyPr wrap="none" lIns="0" tIns="0" rIns="0" bIns="0" rtlCol="0" anchor="t"/>
-          <a:lstStyle/>
-          <a:p>
-            <a:pPr marL="0" indent="0" algn="l">
-              <a:lnSpc>
-                <a:spcPts val="2750"/>
-              </a:lnSpc>
-              <a:buNone/>
-            </a:pPr>
-            <a:r>
-              <a:rPr lang="en-US" sz="2800" b="1" kern="0" spc="-44" dirty="0">
-                <a:solidFill>
-                  <a:schemeClr val="accent1">
-                    <a:lumMod val="75000"/>
-                  </a:schemeClr>
-                </a:solidFill>
-                <a:latin typeface="Source Serif Pro Semi Bold" pitchFamily="34" charset="0"/>
-                <a:ea typeface="Source Serif Pro Semi Bold" pitchFamily="34" charset="-122"/>
-              </a:rPr>
-              <a:t>2. Layered Architecture</a:t>
-            </a:r>
-            <a:endParaRPr lang="en-US" sz="2800" b="1" dirty="0">
-              <a:solidFill>
-                <a:schemeClr val="accent1">
-                  <a:lumMod val="75000"/>
-                </a:schemeClr>
-              </a:solidFill>
-            </a:endParaRPr>
-          </a:p>
-        </p:txBody>
-      </p:sp>
-      <p:pic>
-        <p:nvPicPr>
-          <p:cNvPr id="9" name="Image 2" descr="preencoded.png"/>
-          <p:cNvPicPr>
-            <a:picLocks noChangeAspect="1"/>
-          </p:cNvPicPr>
-          <p:nvPr/>
-        </p:nvPicPr>
-        <p:blipFill>
-          <a:blip r:embed="rId5"/>
-          <a:stretch>
-            <a:fillRect/>
-          </a:stretch>
-        </p:blipFill>
-        <p:spPr>
-          <a:xfrm>
-            <a:off x="5048131" y="2113002"/>
-            <a:ext cx="4534138" cy="4534138"/>
-          </a:xfrm>
-          <a:prstGeom prst="rect">
-            <a:avLst/>
-          </a:prstGeom>
-        </p:spPr>
-      </p:pic>
-      <p:pic>
-        <p:nvPicPr>
-          <p:cNvPr id="10" name="Image 3" descr="preencoded.png"/>
-          <p:cNvPicPr>
-            <a:picLocks noChangeAspect="1"/>
-          </p:cNvPicPr>
-          <p:nvPr/>
-        </p:nvPicPr>
-        <p:blipFill>
-          <a:blip r:embed="rId6"/>
-          <a:stretch>
-            <a:fillRect/>
-          </a:stretch>
-        </p:blipFill>
-        <p:spPr>
-          <a:xfrm>
-            <a:off x="8153995" y="2938701"/>
-            <a:ext cx="358140" cy="447675"/>
-          </a:xfrm>
-          <a:prstGeom prst="rect">
-            <a:avLst/>
-          </a:prstGeom>
-        </p:spPr>
-      </p:pic>
-      <p:sp>
-        <p:nvSpPr>
-          <p:cNvPr id="11" name="Text 5"/>
-          <p:cNvSpPr/>
-          <p:nvPr/>
-        </p:nvSpPr>
-        <p:spPr>
-          <a:xfrm>
-            <a:off x="8153995" y="6647140"/>
-            <a:ext cx="2816185" cy="382454"/>
-          </a:xfrm>
-          <a:prstGeom prst="rect">
-            <a:avLst/>
-          </a:prstGeom>
-          <a:noFill/>
-          <a:ln/>
-        </p:spPr>
-        <p:txBody>
-          <a:bodyPr wrap="none" lIns="0" tIns="0" rIns="0" bIns="0" rtlCol="0" anchor="t"/>
-          <a:lstStyle/>
-          <a:p>
-            <a:pPr marL="0" indent="0" algn="l">
-              <a:lnSpc>
-                <a:spcPts val="2750"/>
-              </a:lnSpc>
-              <a:buNone/>
-            </a:pPr>
-            <a:r>
-              <a:rPr lang="en-US" sz="2800" b="1" kern="0" spc="-44" dirty="0">
-                <a:solidFill>
-                  <a:schemeClr val="accent1">
-                    <a:lumMod val="75000"/>
-                  </a:schemeClr>
-                </a:solidFill>
-                <a:latin typeface="Source Serif Pro Semi Bold" pitchFamily="34" charset="0"/>
-                <a:ea typeface="Source Serif Pro Semi Bold" pitchFamily="34" charset="-122"/>
-              </a:rPr>
-              <a:t>4. Model View </a:t>
-            </a:r>
-            <a:r>
-              <a:rPr lang="en-US" sz="2800" b="1" kern="0" spc="-44" dirty="0" err="1">
-                <a:solidFill>
-                  <a:schemeClr val="accent1">
-                    <a:lumMod val="75000"/>
-                  </a:schemeClr>
-                </a:solidFill>
-                <a:latin typeface="Source Serif Pro Semi Bold" pitchFamily="34" charset="0"/>
-                <a:ea typeface="Source Serif Pro Semi Bold" pitchFamily="34" charset="-122"/>
-              </a:rPr>
-              <a:t>View</a:t>
-            </a:r>
-            <a:r>
-              <a:rPr lang="en-US" sz="2800" b="1" kern="0" spc="-44" dirty="0">
-                <a:solidFill>
-                  <a:schemeClr val="accent1">
-                    <a:lumMod val="75000"/>
-                  </a:schemeClr>
-                </a:solidFill>
-                <a:latin typeface="Source Serif Pro Semi Bold" pitchFamily="34" charset="0"/>
-                <a:ea typeface="Source Serif Pro Semi Bold" pitchFamily="34" charset="-122"/>
-              </a:rPr>
-              <a:t> Model Architecture</a:t>
-            </a:r>
-            <a:endParaRPr lang="en-US" sz="2800" b="1" dirty="0">
-              <a:solidFill>
-                <a:schemeClr val="accent1">
-                  <a:lumMod val="75000"/>
-                </a:schemeClr>
-              </a:solidFill>
-            </a:endParaRPr>
-          </a:p>
-        </p:txBody>
-      </p:sp>
-      <p:pic>
-        <p:nvPicPr>
-          <p:cNvPr id="13" name="Image 4" descr="preencoded.png"/>
-          <p:cNvPicPr>
-            <a:picLocks noChangeAspect="1"/>
-          </p:cNvPicPr>
-          <p:nvPr/>
-        </p:nvPicPr>
-        <p:blipFill>
-          <a:blip r:embed="rId7"/>
-          <a:stretch>
-            <a:fillRect/>
-          </a:stretch>
-        </p:blipFill>
-        <p:spPr>
-          <a:xfrm>
-            <a:off x="5048131" y="2113002"/>
-            <a:ext cx="4534138" cy="4534138"/>
-          </a:xfrm>
-          <a:prstGeom prst="rect">
-            <a:avLst/>
-          </a:prstGeom>
-        </p:spPr>
-      </p:pic>
-      <p:pic>
-        <p:nvPicPr>
-          <p:cNvPr id="14" name="Image 5" descr="preencoded.png"/>
-          <p:cNvPicPr>
-            <a:picLocks noChangeAspect="1"/>
-          </p:cNvPicPr>
-          <p:nvPr/>
-        </p:nvPicPr>
-        <p:blipFill>
-          <a:blip r:embed="rId8"/>
-          <a:stretch>
-            <a:fillRect/>
-          </a:stretch>
-        </p:blipFill>
-        <p:spPr>
-          <a:xfrm>
-            <a:off x="7681436" y="5646420"/>
-            <a:ext cx="358140" cy="447675"/>
-          </a:xfrm>
-          <a:prstGeom prst="rect">
-            <a:avLst/>
-          </a:prstGeom>
-        </p:spPr>
-      </p:pic>
-      <p:sp>
-        <p:nvSpPr>
-          <p:cNvPr id="16" name="Text 5">
-            <a:extLst>
-              <a:ext uri="{FF2B5EF4-FFF2-40B4-BE49-F238E27FC236}">
-                <a16:creationId xmlns:a16="http://schemas.microsoft.com/office/drawing/2014/main" id="{796C9D48-B9CA-4341-8FB7-C91AABFE561D}"/>
-              </a:ext>
-            </a:extLst>
-          </p:cNvPr>
-          <p:cNvSpPr/>
-          <p:nvPr/>
-        </p:nvSpPr>
-        <p:spPr>
-          <a:xfrm>
-            <a:off x="10093643" y="5285874"/>
-            <a:ext cx="2816185" cy="382454"/>
-          </a:xfrm>
-          <a:prstGeom prst="rect">
-            <a:avLst/>
-          </a:prstGeom>
-          <a:noFill/>
-          <a:ln/>
-        </p:spPr>
-        <p:txBody>
-          <a:bodyPr wrap="none" lIns="0" tIns="0" rIns="0" bIns="0" rtlCol="0" anchor="t"/>
-          <a:lstStyle/>
-          <a:p>
-            <a:pPr marL="0" indent="0" algn="l">
-              <a:lnSpc>
-                <a:spcPts val="2750"/>
-              </a:lnSpc>
-              <a:buNone/>
-            </a:pPr>
-            <a:r>
-              <a:rPr lang="en-US" sz="2800" b="1" kern="0" spc="-44" dirty="0">
-                <a:solidFill>
-                  <a:schemeClr val="accent1">
-                    <a:lumMod val="75000"/>
-                  </a:schemeClr>
-                </a:solidFill>
-                <a:latin typeface="Source Serif Pro Semi Bold" pitchFamily="34" charset="0"/>
-                <a:ea typeface="Source Serif Pro Semi Bold" pitchFamily="34" charset="-122"/>
-                <a:cs typeface="Source Serif Pro Semi Bold" pitchFamily="34" charset="-120"/>
-              </a:rPr>
-              <a:t>3. Micro services Architecture</a:t>
-            </a:r>
-            <a:endParaRPr lang="en-US" sz="2800" b="1" dirty="0">
-              <a:solidFill>
-                <a:schemeClr val="accent1">
-                  <a:lumMod val="75000"/>
-                </a:schemeClr>
-              </a:solidFill>
-            </a:endParaRPr>
-          </a:p>
-        </p:txBody>
-      </p:sp>
     </p:spTree>
     <p:extLst>
       <p:ext uri="{BB962C8B-B14F-4D97-AF65-F5344CB8AC3E}">
@@ -7334,31 +6249,20 @@
             <a:prstDash val="solid"/>
           </a:ln>
         </p:spPr>
-      </p:sp>
-      <p:pic>
-        <p:nvPicPr>
-          <p:cNvPr id="4" name="Image 0" descr="preencoded.png"/>
-          <p:cNvPicPr>
-            <a:picLocks noChangeAspect="1"/>
-          </p:cNvPicPr>
-          <p:nvPr/>
-        </p:nvPicPr>
-        <p:blipFill>
-          <a:blip r:embed="rId3"/>
-          <a:stretch>
-            <a:fillRect/>
-          </a:stretch>
-        </p:blipFill>
-        <p:spPr>
-          <a:xfrm>
-            <a:off x="1748909" y="2692718"/>
-            <a:ext cx="336590" cy="420767"/>
-          </a:xfrm>
-          <a:prstGeom prst="rect">
-            <a:avLst/>
-          </a:prstGeom>
-        </p:spPr>
-      </p:pic>
+        <p:txBody>
+          <a:bodyPr/>
+          <a:lstStyle/>
+          <a:p>
+            <a:pPr algn="ctr"/>
+            <a:r>
+              <a:rPr lang="en-US" sz="3200" b="1" dirty="0">
+                <a:latin typeface="Candara" panose="020E0502030303020204" pitchFamily="34" charset="0"/>
+              </a:rPr>
+              <a:t>Steps in</a:t>
+            </a:r>
+          </a:p>
+        </p:txBody>
+      </p:sp>
       <p:sp>
         <p:nvSpPr>
           <p:cNvPr id="5" name="Text 2"/>
@@ -7488,31 +6392,20 @@
             <a:prstDash val="solid"/>
           </a:ln>
         </p:spPr>
-      </p:sp>
-      <p:pic>
-        <p:nvPicPr>
-          <p:cNvPr id="9" name="Image 1" descr="preencoded.png"/>
-          <p:cNvPicPr>
-            <a:picLocks noChangeAspect="1"/>
-          </p:cNvPicPr>
-          <p:nvPr/>
-        </p:nvPicPr>
-        <p:blipFill>
-          <a:blip r:embed="rId4"/>
-          <a:stretch>
-            <a:fillRect/>
-          </a:stretch>
-        </p:blipFill>
-        <p:spPr>
-          <a:xfrm>
-            <a:off x="2828568" y="4169569"/>
-            <a:ext cx="336590" cy="420767"/>
-          </a:xfrm>
-          <a:prstGeom prst="rect">
-            <a:avLst/>
-          </a:prstGeom>
-        </p:spPr>
-      </p:pic>
+        <p:txBody>
+          <a:bodyPr/>
+          <a:lstStyle/>
+          <a:p>
+            <a:pPr algn="ctr"/>
+            <a:r>
+              <a:rPr lang="en-US" sz="3200" b="1" dirty="0">
+                <a:latin typeface="Candara" panose="020E0502030303020204" pitchFamily="34" charset="0"/>
+              </a:rPr>
+              <a:t>Requirement</a:t>
+            </a:r>
+          </a:p>
+        </p:txBody>
+      </p:sp>
       <p:sp>
         <p:nvSpPr>
           <p:cNvPr id="10" name="Text 6"/>
@@ -7653,31 +6546,20 @@
             <a:prstDash val="solid"/>
           </a:ln>
         </p:spPr>
-      </p:sp>
-      <p:pic>
-        <p:nvPicPr>
-          <p:cNvPr id="14" name="Image 2" descr="preencoded.png"/>
-          <p:cNvPicPr>
-            <a:picLocks noChangeAspect="1"/>
-          </p:cNvPicPr>
-          <p:nvPr/>
-        </p:nvPicPr>
-        <p:blipFill>
-          <a:blip r:embed="rId5"/>
-          <a:stretch>
-            <a:fillRect/>
-          </a:stretch>
-        </p:blipFill>
-        <p:spPr>
-          <a:xfrm>
-            <a:off x="3908107" y="5646420"/>
-            <a:ext cx="336590" cy="420767"/>
-          </a:xfrm>
-          <a:prstGeom prst="rect">
-            <a:avLst/>
-          </a:prstGeom>
-        </p:spPr>
-      </p:pic>
+        <p:txBody>
+          <a:bodyPr/>
+          <a:lstStyle/>
+          <a:p>
+            <a:pPr algn="ctr"/>
+            <a:r>
+              <a:rPr lang="en-US" sz="3200" b="1" dirty="0">
+                <a:latin typeface="Candara" panose="020E0502030303020204" pitchFamily="34" charset="0"/>
+              </a:rPr>
+              <a:t>Engineering</a:t>
+            </a:r>
+          </a:p>
+        </p:txBody>
+      </p:sp>
       <p:sp>
         <p:nvSpPr>
           <p:cNvPr id="15" name="Text 10"/>
@@ -7787,7 +6669,7 @@
         </p:nvSpPr>
         <p:spPr>
           <a:xfrm>
-            <a:off x="837724" y="6804660"/>
+            <a:off x="1675448" y="7748944"/>
             <a:ext cx="12954952" cy="383024"/>
           </a:xfrm>
           <a:prstGeom prst="rect">
@@ -7800,24 +6682,40 @@
           <a:bodyPr wrap="none" lIns="0" tIns="0" rIns="0" bIns="0" rtlCol="0" anchor="t"/>
           <a:lstStyle/>
           <a:p>
-            <a:pPr marL="0" indent="0" algn="l">
+            <a:pPr marL="0" indent="0" algn="r">
               <a:lnSpc>
                 <a:spcPts val="3000"/>
               </a:lnSpc>
               <a:buNone/>
             </a:pPr>
             <a:r>
-              <a:rPr lang="en-US" sz="1850" kern="0" spc="-38" dirty="0">
+              <a:rPr lang="en-US" sz="2400" kern="0" spc="-38" dirty="0">
                 <a:solidFill>
-                  <a:srgbClr val="272525"/>
+                  <a:schemeClr val="accent4">
+                    <a:lumMod val="60000"/>
+                    <a:lumOff val="40000"/>
+                  </a:schemeClr>
                 </a:solidFill>
+                <a:highlight>
+                  <a:srgbClr val="808080"/>
+                </a:highlight>
                 <a:latin typeface="Source Sans Pro" pitchFamily="34" charset="0"/>
                 <a:ea typeface="Source Sans Pro" pitchFamily="34" charset="-122"/>
                 <a:cs typeface="Source Sans Pro" pitchFamily="34" charset="-120"/>
               </a:rPr>
               <a:t>Techniques include surveys, interviews, and user stories. Defining scope ensures project stays on track.</a:t>
             </a:r>
-            <a:endParaRPr lang="en-US" sz="1850" dirty="0"/>
+            <a:endParaRPr lang="en-US" sz="2400" dirty="0">
+              <a:solidFill>
+                <a:schemeClr val="accent4">
+                  <a:lumMod val="60000"/>
+                  <a:lumOff val="40000"/>
+                </a:schemeClr>
+              </a:solidFill>
+              <a:highlight>
+                <a:srgbClr val="808080"/>
+              </a:highlight>
+            </a:endParaRPr>
           </a:p>
         </p:txBody>
       </p:sp>
@@ -7831,7 +6729,7 @@
 
 <file path=ppt/slides/slide9.xml><?xml version="1.0" encoding="utf-8"?>
 <p:sld xmlns:a="http://schemas.openxmlformats.org/drawingml/2006/main" xmlns:r="http://schemas.openxmlformats.org/officeDocument/2006/relationships" xmlns:p="http://schemas.openxmlformats.org/presentationml/2006/main">
-  <p:cSld name="Slide 7">
+  <p:cSld>
     <p:spTree>
       <p:nvGrpSpPr>
         <p:cNvPr id="1" name=""/>
@@ -7880,48 +6778,23 @@
                 </a:solidFill>
                 <a:latin typeface="Source Serif Pro Semi Bold" pitchFamily="34" charset="0"/>
                 <a:ea typeface="Source Serif Pro Semi Bold" pitchFamily="34" charset="-122"/>
-                <a:cs typeface="Source Serif Pro Semi Bold" pitchFamily="34" charset="-120"/>
-              </a:rPr>
-              <a:t>Cost Estimation and Budget Planning</a:t>
+              </a:rPr>
+              <a:t>REQUIREMENT ENGINEERING</a:t>
             </a:r>
             <a:endParaRPr lang="en-US" sz="4400" dirty="0"/>
           </a:p>
         </p:txBody>
       </p:sp>
-      <p:pic>
-        <p:nvPicPr>
-          <p:cNvPr id="3" name="Image 0" descr="preencoded.png"/>
-          <p:cNvPicPr>
-            <a:picLocks noChangeAspect="1"/>
-          </p:cNvPicPr>
-          <p:nvPr/>
-        </p:nvPicPr>
-        <p:blipFill>
-          <a:blip r:embed="rId3"/>
-          <a:stretch>
-            <a:fillRect/>
-          </a:stretch>
-        </p:blipFill>
-        <p:spPr>
-          <a:xfrm>
-            <a:off x="3435191" y="2184083"/>
-            <a:ext cx="1282422" cy="830580"/>
-          </a:xfrm>
-          <a:prstGeom prst="rect">
-            <a:avLst/>
-          </a:prstGeom>
-        </p:spPr>
-      </p:pic>
-      <p:sp>
-        <p:nvSpPr>
-          <p:cNvPr id="4" name="Text 1"/>
-          <p:cNvSpPr/>
-          <p:nvPr/>
-        </p:nvSpPr>
-        <p:spPr>
-          <a:xfrm>
-            <a:off x="3908107" y="2477572"/>
-            <a:ext cx="336590" cy="420767"/>
+      <p:sp>
+        <p:nvSpPr>
+          <p:cNvPr id="5" name="Text 2"/>
+          <p:cNvSpPr/>
+          <p:nvPr/>
+        </p:nvSpPr>
+        <p:spPr>
+          <a:xfrm>
+            <a:off x="4956929" y="2423398"/>
+            <a:ext cx="1505307" cy="351949"/>
           </a:xfrm>
           <a:prstGeom prst="rect">
             <a:avLst/>
@@ -7933,37 +6806,114 @@
           <a:bodyPr wrap="none" lIns="0" tIns="0" rIns="0" bIns="0" rtlCol="0" anchor="t"/>
           <a:lstStyle/>
           <a:p>
-            <a:pPr marL="0" indent="0" algn="ctr">
-              <a:lnSpc>
-                <a:spcPts val="4200"/>
+            <a:pPr marL="0" indent="0" algn="l">
+              <a:lnSpc>
+                <a:spcPts val="2750"/>
               </a:lnSpc>
               <a:buNone/>
             </a:pPr>
             <a:r>
-              <a:rPr lang="en-US" sz="2650" kern="0" spc="-47" dirty="0">
+              <a:rPr lang="en-US" sz="2200" dirty="0"/>
+              <a:t>User Survey</a:t>
+            </a:r>
+          </a:p>
+        </p:txBody>
+      </p:sp>
+      <p:sp>
+        <p:nvSpPr>
+          <p:cNvPr id="6" name="Shape 3"/>
+          <p:cNvSpPr/>
+          <p:nvPr/>
+        </p:nvSpPr>
+        <p:spPr>
+          <a:xfrm>
+            <a:off x="4777383" y="3029307"/>
+            <a:ext cx="8955524" cy="15240"/>
+          </a:xfrm>
+          <a:prstGeom prst="roundRect">
+            <a:avLst>
+              <a:gd name="adj" fmla="val 659712"/>
+            </a:avLst>
+          </a:prstGeom>
+          <a:solidFill>
+            <a:srgbClr val="D6BADD"/>
+          </a:solidFill>
+          <a:ln/>
+        </p:spPr>
+      </p:sp>
+      <p:sp>
+        <p:nvSpPr>
+          <p:cNvPr id="9" name="Text 5"/>
+          <p:cNvSpPr/>
+          <p:nvPr/>
+        </p:nvSpPr>
+        <p:spPr>
+          <a:xfrm>
+            <a:off x="5598200" y="3313748"/>
+            <a:ext cx="887254" cy="351949"/>
+          </a:xfrm>
+          <a:prstGeom prst="rect">
+            <a:avLst/>
+          </a:prstGeom>
+          <a:noFill/>
+          <a:ln/>
+        </p:spPr>
+        <p:txBody>
+          <a:bodyPr wrap="none" lIns="0" tIns="0" rIns="0" bIns="0" rtlCol="0" anchor="t"/>
+          <a:lstStyle/>
+          <a:p>
+            <a:pPr marL="0" indent="0" algn="l">
+              <a:lnSpc>
+                <a:spcPts val="2750"/>
+              </a:lnSpc>
+              <a:buNone/>
+            </a:pPr>
+            <a:r>
+              <a:rPr lang="en-US" sz="2200" kern="0" spc="-44" dirty="0">
                 <a:solidFill>
                   <a:srgbClr val="272525"/>
                 </a:solidFill>
                 <a:latin typeface="Source Serif Pro Semi Bold" pitchFamily="34" charset="0"/>
                 <a:ea typeface="Source Serif Pro Semi Bold" pitchFamily="34" charset="-122"/>
-                <a:cs typeface="Source Serif Pro Semi Bold" pitchFamily="34" charset="-120"/>
-              </a:rPr>
-              <a:t>1</a:t>
-            </a:r>
-            <a:endParaRPr lang="en-US" sz="2650" dirty="0"/>
-          </a:p>
-        </p:txBody>
-      </p:sp>
-      <p:sp>
-        <p:nvSpPr>
-          <p:cNvPr id="5" name="Text 2"/>
-          <p:cNvSpPr/>
-          <p:nvPr/>
-        </p:nvSpPr>
-        <p:spPr>
-          <a:xfrm>
-            <a:off x="4956929" y="2423398"/>
-            <a:ext cx="1505307" cy="351949"/>
+              </a:rPr>
+              <a:t>Questionnaires</a:t>
+            </a:r>
+            <a:endParaRPr lang="en-US" sz="2200" dirty="0"/>
+          </a:p>
+        </p:txBody>
+      </p:sp>
+      <p:sp>
+        <p:nvSpPr>
+          <p:cNvPr id="10" name="Shape 6"/>
+          <p:cNvSpPr/>
+          <p:nvPr/>
+        </p:nvSpPr>
+        <p:spPr>
+          <a:xfrm>
+            <a:off x="5418653" y="3919657"/>
+            <a:ext cx="8314253" cy="15240"/>
+          </a:xfrm>
+          <a:prstGeom prst="roundRect">
+            <a:avLst>
+              <a:gd name="adj" fmla="val 659712"/>
+            </a:avLst>
+          </a:prstGeom>
+          <a:solidFill>
+            <a:srgbClr val="D6BADD"/>
+          </a:solidFill>
+          <a:ln/>
+        </p:spPr>
+      </p:sp>
+      <p:sp>
+        <p:nvSpPr>
+          <p:cNvPr id="13" name="Text 8"/>
+          <p:cNvSpPr/>
+          <p:nvPr/>
+        </p:nvSpPr>
+        <p:spPr>
+          <a:xfrm>
+            <a:off x="6239470" y="4204097"/>
+            <a:ext cx="1634728" cy="351949"/>
           </a:xfrm>
           <a:prstGeom prst="rect">
             <a:avLst/>
@@ -7990,7 +6940,7 @@
                 <a:ea typeface="Source Serif Pro Semi Bold" pitchFamily="34" charset="-122"/>
                 <a:cs typeface="Source Serif Pro Semi Bold" pitchFamily="34" charset="-120"/>
               </a:rPr>
-              <a:t>Deployment</a:t>
+              <a:t>Stakeholder interviews</a:t>
             </a:r>
             <a:endParaRPr lang="en-US" sz="2200" dirty="0"/>
           </a:p>
@@ -7998,14 +6948,14 @@
       </p:sp>
       <p:sp>
         <p:nvSpPr>
-          <p:cNvPr id="6" name="Shape 3"/>
-          <p:cNvSpPr/>
-          <p:nvPr/>
-        </p:nvSpPr>
-        <p:spPr>
-          <a:xfrm>
-            <a:off x="4777383" y="3029307"/>
-            <a:ext cx="8955524" cy="15240"/>
+          <p:cNvPr id="14" name="Shape 9"/>
+          <p:cNvSpPr/>
+          <p:nvPr/>
+        </p:nvSpPr>
+        <p:spPr>
+          <a:xfrm>
+            <a:off x="6059924" y="4810006"/>
+            <a:ext cx="7672983" cy="15240"/>
           </a:xfrm>
           <a:prstGeom prst="roundRect">
             <a:avLst>
@@ -8018,82 +6968,16 @@
           <a:ln/>
         </p:spPr>
       </p:sp>
-      <p:pic>
-        <p:nvPicPr>
-          <p:cNvPr id="7" name="Image 1" descr="preencoded.png"/>
-          <p:cNvPicPr>
-            <a:picLocks noChangeAspect="1"/>
-          </p:cNvPicPr>
-          <p:nvPr/>
-        </p:nvPicPr>
-        <p:blipFill>
-          <a:blip r:embed="rId4"/>
-          <a:stretch>
-            <a:fillRect/>
-          </a:stretch>
-        </p:blipFill>
-        <p:spPr>
-          <a:xfrm>
-            <a:off x="2793921" y="3074432"/>
-            <a:ext cx="2564963" cy="830580"/>
-          </a:xfrm>
-          <a:prstGeom prst="rect">
-            <a:avLst/>
-          </a:prstGeom>
-        </p:spPr>
-      </p:pic>
-      <p:sp>
-        <p:nvSpPr>
-          <p:cNvPr id="8" name="Text 4"/>
-          <p:cNvSpPr/>
-          <p:nvPr/>
-        </p:nvSpPr>
-        <p:spPr>
-          <a:xfrm>
-            <a:off x="3908107" y="3279338"/>
-            <a:ext cx="336590" cy="420767"/>
-          </a:xfrm>
-          <a:prstGeom prst="rect">
-            <a:avLst/>
-          </a:prstGeom>
-          <a:noFill/>
-          <a:ln/>
-        </p:spPr>
-        <p:txBody>
-          <a:bodyPr wrap="none" lIns="0" tIns="0" rIns="0" bIns="0" rtlCol="0" anchor="t"/>
-          <a:lstStyle/>
-          <a:p>
-            <a:pPr marL="0" indent="0" algn="ctr">
-              <a:lnSpc>
-                <a:spcPts val="4200"/>
-              </a:lnSpc>
-              <a:buNone/>
-            </a:pPr>
-            <a:r>
-              <a:rPr lang="en-US" sz="2650" kern="0" spc="-47" dirty="0">
-                <a:solidFill>
-                  <a:srgbClr val="272525"/>
-                </a:solidFill>
-                <a:latin typeface="Source Serif Pro Semi Bold" pitchFamily="34" charset="0"/>
-                <a:ea typeface="Source Serif Pro Semi Bold" pitchFamily="34" charset="-122"/>
-                <a:cs typeface="Source Serif Pro Semi Bold" pitchFamily="34" charset="-120"/>
-              </a:rPr>
-              <a:t>2</a:t>
-            </a:r>
-            <a:endParaRPr lang="en-US" sz="2650" dirty="0"/>
-          </a:p>
-        </p:txBody>
-      </p:sp>
-      <p:sp>
-        <p:nvSpPr>
-          <p:cNvPr id="9" name="Text 5"/>
-          <p:cNvSpPr/>
-          <p:nvPr/>
-        </p:nvSpPr>
-        <p:spPr>
-          <a:xfrm>
-            <a:off x="5598200" y="3313748"/>
-            <a:ext cx="887254" cy="351949"/>
+      <p:sp>
+        <p:nvSpPr>
+          <p:cNvPr id="17" name="Text 11"/>
+          <p:cNvSpPr/>
+          <p:nvPr/>
+        </p:nvSpPr>
+        <p:spPr>
+          <a:xfrm>
+            <a:off x="6880741" y="5094446"/>
+            <a:ext cx="842724" cy="351949"/>
           </a:xfrm>
           <a:prstGeom prst="rect">
             <a:avLst/>
@@ -8118,9 +7002,8 @@
                 </a:solidFill>
                 <a:latin typeface="Source Serif Pro Semi Bold" pitchFamily="34" charset="0"/>
                 <a:ea typeface="Source Serif Pro Semi Bold" pitchFamily="34" charset="-122"/>
-                <a:cs typeface="Source Serif Pro Semi Bold" pitchFamily="34" charset="-120"/>
-              </a:rPr>
-              <a:t>Testing</a:t>
+              </a:rPr>
+              <a:t>Market Competition Analysis</a:t>
             </a:r>
             <a:endParaRPr lang="en-US" sz="2200" dirty="0"/>
           </a:p>
@@ -8128,14 +7011,14 @@
       </p:sp>
       <p:sp>
         <p:nvSpPr>
-          <p:cNvPr id="10" name="Shape 6"/>
-          <p:cNvSpPr/>
-          <p:nvPr/>
-        </p:nvSpPr>
-        <p:spPr>
-          <a:xfrm>
-            <a:off x="5418653" y="3919657"/>
-            <a:ext cx="8314253" cy="15240"/>
+          <p:cNvPr id="18" name="Shape 12"/>
+          <p:cNvSpPr/>
+          <p:nvPr/>
+        </p:nvSpPr>
+        <p:spPr>
+          <a:xfrm>
+            <a:off x="6701195" y="5700355"/>
+            <a:ext cx="7031712" cy="15240"/>
           </a:xfrm>
           <a:prstGeom prst="roundRect">
             <a:avLst>
@@ -8148,82 +7031,16 @@
           <a:ln/>
         </p:spPr>
       </p:sp>
-      <p:pic>
-        <p:nvPicPr>
-          <p:cNvPr id="11" name="Image 2" descr="preencoded.png"/>
-          <p:cNvPicPr>
-            <a:picLocks noChangeAspect="1"/>
-          </p:cNvPicPr>
-          <p:nvPr/>
-        </p:nvPicPr>
-        <p:blipFill>
-          <a:blip r:embed="rId5"/>
-          <a:stretch>
-            <a:fillRect/>
-          </a:stretch>
-        </p:blipFill>
-        <p:spPr>
-          <a:xfrm>
-            <a:off x="2152650" y="3964781"/>
-            <a:ext cx="3847505" cy="830580"/>
-          </a:xfrm>
-          <a:prstGeom prst="rect">
-            <a:avLst/>
-          </a:prstGeom>
-        </p:spPr>
-      </p:pic>
-      <p:sp>
-        <p:nvSpPr>
-          <p:cNvPr id="12" name="Text 7"/>
-          <p:cNvSpPr/>
-          <p:nvPr/>
-        </p:nvSpPr>
-        <p:spPr>
-          <a:xfrm>
-            <a:off x="3908107" y="4169688"/>
-            <a:ext cx="336590" cy="420767"/>
-          </a:xfrm>
-          <a:prstGeom prst="rect">
-            <a:avLst/>
-          </a:prstGeom>
-          <a:noFill/>
-          <a:ln/>
-        </p:spPr>
-        <p:txBody>
-          <a:bodyPr wrap="none" lIns="0" tIns="0" rIns="0" bIns="0" rtlCol="0" anchor="t"/>
-          <a:lstStyle/>
-          <a:p>
-            <a:pPr marL="0" indent="0" algn="ctr">
-              <a:lnSpc>
-                <a:spcPts val="4200"/>
-              </a:lnSpc>
-              <a:buNone/>
-            </a:pPr>
-            <a:r>
-              <a:rPr lang="en-US" sz="2650" kern="0" spc="-47" dirty="0">
-                <a:solidFill>
-                  <a:srgbClr val="272525"/>
-                </a:solidFill>
-                <a:latin typeface="Source Serif Pro Semi Bold" pitchFamily="34" charset="0"/>
-                <a:ea typeface="Source Serif Pro Semi Bold" pitchFamily="34" charset="-122"/>
-                <a:cs typeface="Source Serif Pro Semi Bold" pitchFamily="34" charset="-120"/>
-              </a:rPr>
-              <a:t>3</a:t>
-            </a:r>
-            <a:endParaRPr lang="en-US" sz="2650" dirty="0"/>
-          </a:p>
-        </p:txBody>
-      </p:sp>
-      <p:sp>
-        <p:nvSpPr>
-          <p:cNvPr id="13" name="Text 8"/>
-          <p:cNvSpPr/>
-          <p:nvPr/>
-        </p:nvSpPr>
-        <p:spPr>
-          <a:xfrm>
-            <a:off x="6239470" y="4204097"/>
-            <a:ext cx="1634728" cy="351949"/>
+      <p:sp>
+        <p:nvSpPr>
+          <p:cNvPr id="21" name="Text 14"/>
+          <p:cNvSpPr/>
+          <p:nvPr/>
+        </p:nvSpPr>
+        <p:spPr>
+          <a:xfrm>
+            <a:off x="7522012" y="5984796"/>
+            <a:ext cx="1103352" cy="351949"/>
           </a:xfrm>
           <a:prstGeom prst="rect">
             <a:avLst/>
@@ -8248,9 +7065,8 @@
                 </a:solidFill>
                 <a:latin typeface="Source Serif Pro Semi Bold" pitchFamily="34" charset="0"/>
                 <a:ea typeface="Source Serif Pro Semi Bold" pitchFamily="34" charset="-122"/>
-                <a:cs typeface="Source Serif Pro Semi Bold" pitchFamily="34" charset="-120"/>
-              </a:rPr>
-              <a:t>Development</a:t>
+              </a:rPr>
+              <a:t>Focus Groups And Workshops</a:t>
             </a:r>
             <a:endParaRPr lang="en-US" sz="2200" dirty="0"/>
           </a:p>
@@ -8258,273 +7074,13 @@
       </p:sp>
       <p:sp>
         <p:nvSpPr>
-          <p:cNvPr id="14" name="Shape 9"/>
-          <p:cNvSpPr/>
-          <p:nvPr/>
-        </p:nvSpPr>
-        <p:spPr>
-          <a:xfrm>
-            <a:off x="6059924" y="4810006"/>
-            <a:ext cx="7672983" cy="15240"/>
-          </a:xfrm>
-          <a:prstGeom prst="roundRect">
-            <a:avLst>
-              <a:gd name="adj" fmla="val 659712"/>
-            </a:avLst>
-          </a:prstGeom>
-          <a:solidFill>
-            <a:srgbClr val="D6BADD"/>
-          </a:solidFill>
-          <a:ln/>
-        </p:spPr>
-      </p:sp>
-      <p:pic>
-        <p:nvPicPr>
-          <p:cNvPr id="15" name="Image 3" descr="preencoded.png"/>
-          <p:cNvPicPr>
-            <a:picLocks noChangeAspect="1"/>
-          </p:cNvPicPr>
-          <p:nvPr/>
-        </p:nvPicPr>
-        <p:blipFill>
-          <a:blip r:embed="rId6"/>
-          <a:stretch>
-            <a:fillRect/>
-          </a:stretch>
-        </p:blipFill>
-        <p:spPr>
-          <a:xfrm>
-            <a:off x="1511379" y="4855131"/>
-            <a:ext cx="5130046" cy="830580"/>
-          </a:xfrm>
-          <a:prstGeom prst="rect">
-            <a:avLst/>
-          </a:prstGeom>
-        </p:spPr>
-      </p:pic>
-      <p:sp>
-        <p:nvSpPr>
-          <p:cNvPr id="16" name="Text 10"/>
-          <p:cNvSpPr/>
-          <p:nvPr/>
-        </p:nvSpPr>
-        <p:spPr>
-          <a:xfrm>
-            <a:off x="3907988" y="5060037"/>
-            <a:ext cx="336590" cy="420767"/>
-          </a:xfrm>
-          <a:prstGeom prst="rect">
-            <a:avLst/>
-          </a:prstGeom>
-          <a:noFill/>
-          <a:ln/>
-        </p:spPr>
-        <p:txBody>
-          <a:bodyPr wrap="none" lIns="0" tIns="0" rIns="0" bIns="0" rtlCol="0" anchor="t"/>
-          <a:lstStyle/>
-          <a:p>
-            <a:pPr marL="0" indent="0" algn="ctr">
-              <a:lnSpc>
-                <a:spcPts val="4200"/>
-              </a:lnSpc>
-              <a:buNone/>
-            </a:pPr>
-            <a:r>
-              <a:rPr lang="en-US" sz="2650" kern="0" spc="-47" dirty="0">
-                <a:solidFill>
-                  <a:srgbClr val="272525"/>
-                </a:solidFill>
-                <a:latin typeface="Source Serif Pro Semi Bold" pitchFamily="34" charset="0"/>
-                <a:ea typeface="Source Serif Pro Semi Bold" pitchFamily="34" charset="-122"/>
-                <a:cs typeface="Source Serif Pro Semi Bold" pitchFamily="34" charset="-120"/>
-              </a:rPr>
-              <a:t>4</a:t>
-            </a:r>
-            <a:endParaRPr lang="en-US" sz="2650" dirty="0"/>
-          </a:p>
-        </p:txBody>
-      </p:sp>
-      <p:sp>
-        <p:nvSpPr>
-          <p:cNvPr id="17" name="Text 11"/>
-          <p:cNvSpPr/>
-          <p:nvPr/>
-        </p:nvSpPr>
-        <p:spPr>
-          <a:xfrm>
-            <a:off x="6880741" y="5094446"/>
-            <a:ext cx="842724" cy="351949"/>
-          </a:xfrm>
-          <a:prstGeom prst="rect">
-            <a:avLst/>
-          </a:prstGeom>
-          <a:noFill/>
-          <a:ln/>
-        </p:spPr>
-        <p:txBody>
-          <a:bodyPr wrap="none" lIns="0" tIns="0" rIns="0" bIns="0" rtlCol="0" anchor="t"/>
-          <a:lstStyle/>
-          <a:p>
-            <a:pPr marL="0" indent="0" algn="l">
-              <a:lnSpc>
-                <a:spcPts val="2750"/>
-              </a:lnSpc>
-              <a:buNone/>
-            </a:pPr>
-            <a:r>
-              <a:rPr lang="en-US" sz="2200" kern="0" spc="-44" dirty="0">
-                <a:solidFill>
-                  <a:srgbClr val="272525"/>
-                </a:solidFill>
-                <a:latin typeface="Source Serif Pro Semi Bold" pitchFamily="34" charset="0"/>
-                <a:ea typeface="Source Serif Pro Semi Bold" pitchFamily="34" charset="-122"/>
-                <a:cs typeface="Source Serif Pro Semi Bold" pitchFamily="34" charset="-120"/>
-              </a:rPr>
-              <a:t>Design</a:t>
-            </a:r>
-            <a:endParaRPr lang="en-US" sz="2200" dirty="0"/>
-          </a:p>
-        </p:txBody>
-      </p:sp>
-      <p:sp>
-        <p:nvSpPr>
-          <p:cNvPr id="18" name="Shape 12"/>
-          <p:cNvSpPr/>
-          <p:nvPr/>
-        </p:nvSpPr>
-        <p:spPr>
-          <a:xfrm>
-            <a:off x="6701195" y="5700355"/>
-            <a:ext cx="7031712" cy="15240"/>
-          </a:xfrm>
-          <a:prstGeom prst="roundRect">
-            <a:avLst>
-              <a:gd name="adj" fmla="val 659712"/>
-            </a:avLst>
-          </a:prstGeom>
-          <a:solidFill>
-            <a:srgbClr val="D6BADD"/>
-          </a:solidFill>
-          <a:ln/>
-        </p:spPr>
-      </p:sp>
-      <p:pic>
-        <p:nvPicPr>
-          <p:cNvPr id="19" name="Image 4" descr="preencoded.png"/>
-          <p:cNvPicPr>
-            <a:picLocks noChangeAspect="1"/>
-          </p:cNvPicPr>
-          <p:nvPr/>
-        </p:nvPicPr>
-        <p:blipFill>
-          <a:blip r:embed="rId7"/>
-          <a:stretch>
-            <a:fillRect/>
-          </a:stretch>
-        </p:blipFill>
-        <p:spPr>
-          <a:xfrm>
-            <a:off x="870109" y="5745480"/>
-            <a:ext cx="6412587" cy="830580"/>
-          </a:xfrm>
-          <a:prstGeom prst="rect">
-            <a:avLst/>
-          </a:prstGeom>
-        </p:spPr>
-      </p:pic>
-      <p:sp>
-        <p:nvSpPr>
-          <p:cNvPr id="20" name="Text 13"/>
-          <p:cNvSpPr/>
-          <p:nvPr/>
-        </p:nvSpPr>
-        <p:spPr>
-          <a:xfrm>
-            <a:off x="3907988" y="5950387"/>
-            <a:ext cx="336590" cy="420767"/>
-          </a:xfrm>
-          <a:prstGeom prst="rect">
-            <a:avLst/>
-          </a:prstGeom>
-          <a:noFill/>
-          <a:ln/>
-        </p:spPr>
-        <p:txBody>
-          <a:bodyPr wrap="none" lIns="0" tIns="0" rIns="0" bIns="0" rtlCol="0" anchor="t"/>
-          <a:lstStyle/>
-          <a:p>
-            <a:pPr marL="0" indent="0" algn="ctr">
-              <a:lnSpc>
-                <a:spcPts val="4200"/>
-              </a:lnSpc>
-              <a:buNone/>
-            </a:pPr>
-            <a:r>
-              <a:rPr lang="en-US" sz="2650" kern="0" spc="-47" dirty="0">
-                <a:solidFill>
-                  <a:srgbClr val="272525"/>
-                </a:solidFill>
-                <a:latin typeface="Source Serif Pro Semi Bold" pitchFamily="34" charset="0"/>
-                <a:ea typeface="Source Serif Pro Semi Bold" pitchFamily="34" charset="-122"/>
-                <a:cs typeface="Source Serif Pro Semi Bold" pitchFamily="34" charset="-120"/>
-              </a:rPr>
-              <a:t>5</a:t>
-            </a:r>
-            <a:endParaRPr lang="en-US" sz="2650" dirty="0"/>
-          </a:p>
-        </p:txBody>
-      </p:sp>
-      <p:sp>
-        <p:nvSpPr>
-          <p:cNvPr id="21" name="Text 14"/>
-          <p:cNvSpPr/>
-          <p:nvPr/>
-        </p:nvSpPr>
-        <p:spPr>
-          <a:xfrm>
-            <a:off x="7522012" y="5984796"/>
-            <a:ext cx="1103352" cy="351949"/>
-          </a:xfrm>
-          <a:prstGeom prst="rect">
-            <a:avLst/>
-          </a:prstGeom>
-          <a:noFill/>
-          <a:ln/>
-        </p:spPr>
-        <p:txBody>
-          <a:bodyPr wrap="none" lIns="0" tIns="0" rIns="0" bIns="0" rtlCol="0" anchor="t"/>
-          <a:lstStyle/>
-          <a:p>
-            <a:pPr marL="0" indent="0" algn="l">
-              <a:lnSpc>
-                <a:spcPts val="2750"/>
-              </a:lnSpc>
-              <a:buNone/>
-            </a:pPr>
-            <a:r>
-              <a:rPr lang="en-US" sz="2200" kern="0" spc="-44" dirty="0">
-                <a:solidFill>
-                  <a:srgbClr val="272525"/>
-                </a:solidFill>
-                <a:latin typeface="Source Serif Pro Semi Bold" pitchFamily="34" charset="0"/>
-                <a:ea typeface="Source Serif Pro Semi Bold" pitchFamily="34" charset="-122"/>
-                <a:cs typeface="Source Serif Pro Semi Bold" pitchFamily="34" charset="-120"/>
-              </a:rPr>
-              <a:t>Planning</a:t>
-            </a:r>
-            <a:endParaRPr lang="en-US" sz="2200" dirty="0"/>
-          </a:p>
-        </p:txBody>
-      </p:sp>
-      <p:sp>
-        <p:nvSpPr>
           <p:cNvPr id="22" name="Text 15"/>
           <p:cNvSpPr/>
           <p:nvPr/>
         </p:nvSpPr>
         <p:spPr>
           <a:xfrm>
-            <a:off x="837724" y="6845260"/>
+            <a:off x="837724" y="1674079"/>
             <a:ext cx="12954952" cy="383024"/>
           </a:xfrm>
           <a:prstGeom prst="rect">
@@ -8552,13 +7108,72 @@
                 <a:ea typeface="Source Sans Pro" pitchFamily="34" charset="-122"/>
                 <a:cs typeface="Source Sans Pro" pitchFamily="34" charset="-120"/>
               </a:rPr>
-              <a:t>Factors include features, complexity, and platform. Budget planning involves resource allocation and risk management.</a:t>
+              <a:t>Below are the methods used to gather information.</a:t>
             </a:r>
             <a:endParaRPr lang="en-US" sz="1850" dirty="0"/>
           </a:p>
         </p:txBody>
       </p:sp>
+      <p:sp>
+        <p:nvSpPr>
+          <p:cNvPr id="24" name="Rectangle 23">
+            <a:extLst>
+              <a:ext uri="{FF2B5EF4-FFF2-40B4-BE49-F238E27FC236}">
+                <a16:creationId xmlns:a16="http://schemas.microsoft.com/office/drawing/2014/main" id="{922BCF5A-6FDA-46FC-8404-81CFC07AE56D}"/>
+              </a:ext>
+            </a:extLst>
+          </p:cNvPr>
+          <p:cNvSpPr/>
+          <p:nvPr/>
+        </p:nvSpPr>
+        <p:spPr>
+          <a:xfrm>
+            <a:off x="12445139" y="7667726"/>
+            <a:ext cx="2101516" cy="535004"/>
+          </a:xfrm>
+          <a:prstGeom prst="rect">
+            <a:avLst/>
+          </a:prstGeom>
+          <a:solidFill>
+            <a:schemeClr val="bg1"/>
+          </a:solidFill>
+          <a:ln>
+            <a:solidFill>
+              <a:schemeClr val="bg1"/>
+            </a:solidFill>
+          </a:ln>
+        </p:spPr>
+        <p:style>
+          <a:lnRef idx="2">
+            <a:schemeClr val="accent1">
+              <a:shade val="50000"/>
+            </a:schemeClr>
+          </a:lnRef>
+          <a:fillRef idx="1">
+            <a:schemeClr val="accent1"/>
+          </a:fillRef>
+          <a:effectRef idx="0">
+            <a:schemeClr val="accent1"/>
+          </a:effectRef>
+          <a:fontRef idx="minor">
+            <a:schemeClr val="lt1"/>
+          </a:fontRef>
+        </p:style>
+        <p:txBody>
+          <a:bodyPr rtlCol="0" anchor="ctr"/>
+          <a:lstStyle/>
+          <a:p>
+            <a:pPr algn="ctr"/>
+            <a:endParaRPr lang="en-US"/>
+          </a:p>
+        </p:txBody>
+      </p:sp>
     </p:spTree>
+    <p:extLst>
+      <p:ext uri="{BB962C8B-B14F-4D97-AF65-F5344CB8AC3E}">
+        <p14:creationId xmlns:p14="http://schemas.microsoft.com/office/powerpoint/2010/main" val="3488783926"/>
+      </p:ext>
+    </p:extLst>
   </p:cSld>
   <p:clrMapOvr>
     <a:masterClrMapping/>
